--- a/figures/resources/multichannel_images.pptx
+++ b/figures/resources/multichannel_images.pptx
@@ -5,7 +5,8 @@
     <p:sldMasterId id="2147483648" r:id="rId1"/>
   </p:sldMasterIdLst>
   <p:sldIdLst>
-    <p:sldId id="256" r:id="rId2"/>
+    <p:sldId id="257" r:id="rId2"/>
+    <p:sldId id="256" r:id="rId3"/>
   </p:sldIdLst>
   <p:sldSz cx="12192000" cy="6858000"/>
   <p:notesSz cx="6858000" cy="9144000"/>
@@ -3347,7 +3348,7 @@
           <p:cNvPr id="2" name="Title 1">
             <a:extLst>
               <a:ext uri="{FF2B5EF4-FFF2-40B4-BE49-F238E27FC236}">
-                <a16:creationId xmlns:a16="http://schemas.microsoft.com/office/drawing/2014/main" id="{52707349-954F-FCE2-0A91-749AEF4B9C2A}"/>
+                <a16:creationId xmlns:a16="http://schemas.microsoft.com/office/drawing/2014/main" id="{5319CB90-2983-D90D-9B08-DA0176BAD5F8}"/>
               </a:ext>
             </a:extLst>
           </p:cNvPr>
@@ -3363,7 +3364,14 @@
           <a:bodyPr/>
           <a:lstStyle/>
           <a:p>
-            <a:endParaRPr lang="en-DE" dirty="0"/>
+            <a:r>
+              <a:rPr lang="en-GB" dirty="0"/>
+              <a:t>M</a:t>
+            </a:r>
+            <a:r>
+              <a:rPr lang="en-DE" dirty="0"/>
+              <a:t>ulti channel images</a:t>
+            </a:r>
           </a:p>
         </p:txBody>
       </p:sp>
@@ -3372,7 +3380,7 @@
           <p:cNvPr id="3" name="Subtitle 2">
             <a:extLst>
               <a:ext uri="{FF2B5EF4-FFF2-40B4-BE49-F238E27FC236}">
-                <a16:creationId xmlns:a16="http://schemas.microsoft.com/office/drawing/2014/main" id="{C9C90D83-98B0-3597-E9DF-CC5DDDBBF826}"/>
+                <a16:creationId xmlns:a16="http://schemas.microsoft.com/office/drawing/2014/main" id="{81AB93A7-DC94-7B99-F3C4-9A63134E512F}"/>
               </a:ext>
             </a:extLst>
           </p:cNvPr>
@@ -3392,6 +3400,5317 @@
           </a:p>
         </p:txBody>
       </p:sp>
+    </p:spTree>
+    <p:extLst>
+      <p:ext uri="{BB962C8B-B14F-4D97-AF65-F5344CB8AC3E}">
+        <p14:creationId xmlns:p14="http://schemas.microsoft.com/office/powerpoint/2010/main" val="93273109"/>
+      </p:ext>
+    </p:extLst>
+  </p:cSld>
+  <p:clrMapOvr>
+    <a:masterClrMapping/>
+  </p:clrMapOvr>
+</p:sld>
+</file>
+
+<file path=ppt/slides/slide2.xml><?xml version="1.0" encoding="utf-8"?>
+<p:sld xmlns:a="http://schemas.openxmlformats.org/drawingml/2006/main" xmlns:r="http://schemas.openxmlformats.org/officeDocument/2006/relationships" xmlns:p="http://schemas.openxmlformats.org/presentationml/2006/main">
+  <p:cSld>
+    <p:spTree>
+      <p:nvGrpSpPr>
+        <p:cNvPr id="1" name=""/>
+        <p:cNvGrpSpPr/>
+        <p:nvPr/>
+      </p:nvGrpSpPr>
+      <p:grpSpPr>
+        <a:xfrm>
+          <a:off x="0" y="0"/>
+          <a:ext cx="0" cy="0"/>
+          <a:chOff x="0" y="0"/>
+          <a:chExt cx="0" cy="0"/>
+        </a:xfrm>
+      </p:grpSpPr>
+      <p:pic>
+        <p:nvPicPr>
+          <p:cNvPr id="8" name="Picture 7">
+            <a:extLst>
+              <a:ext uri="{FF2B5EF4-FFF2-40B4-BE49-F238E27FC236}">
+                <a16:creationId xmlns:a16="http://schemas.microsoft.com/office/drawing/2014/main" id="{F6B8B5B3-394A-0739-1F6E-293CFD4861D2}"/>
+              </a:ext>
+            </a:extLst>
+          </p:cNvPr>
+          <p:cNvPicPr>
+            <a:picLocks noChangeAspect="1"/>
+          </p:cNvPicPr>
+          <p:nvPr/>
+        </p:nvPicPr>
+        <p:blipFill>
+          <a:blip r:embed="rId2"/>
+          <a:stretch>
+            <a:fillRect/>
+          </a:stretch>
+        </p:blipFill>
+        <p:spPr>
+          <a:xfrm>
+            <a:off x="7094598" y="2425753"/>
+            <a:ext cx="3821793" cy="3821793"/>
+          </a:xfrm>
+          <a:prstGeom prst="rect">
+            <a:avLst/>
+          </a:prstGeom>
+        </p:spPr>
+      </p:pic>
+      <p:pic>
+        <p:nvPicPr>
+          <p:cNvPr id="9" name="Picture 8">
+            <a:extLst>
+              <a:ext uri="{FF2B5EF4-FFF2-40B4-BE49-F238E27FC236}">
+                <a16:creationId xmlns:a16="http://schemas.microsoft.com/office/drawing/2014/main" id="{B2068737-650B-7467-E42E-563C22BB2066}"/>
+              </a:ext>
+            </a:extLst>
+          </p:cNvPr>
+          <p:cNvPicPr>
+            <a:picLocks noChangeAspect="1"/>
+          </p:cNvPicPr>
+          <p:nvPr/>
+        </p:nvPicPr>
+        <p:blipFill>
+          <a:blip r:embed="rId3"/>
+          <a:stretch>
+            <a:fillRect/>
+          </a:stretch>
+        </p:blipFill>
+        <p:spPr>
+          <a:xfrm>
+            <a:off x="4168098" y="227292"/>
+            <a:ext cx="2070100" cy="2070100"/>
+          </a:xfrm>
+          <a:prstGeom prst="rect">
+            <a:avLst/>
+          </a:prstGeom>
+        </p:spPr>
+      </p:pic>
+      <p:pic>
+        <p:nvPicPr>
+          <p:cNvPr id="10" name="Picture 9">
+            <a:extLst>
+              <a:ext uri="{FF2B5EF4-FFF2-40B4-BE49-F238E27FC236}">
+                <a16:creationId xmlns:a16="http://schemas.microsoft.com/office/drawing/2014/main" id="{F17BFCE1-89BA-1244-A1A5-84260D57DC0E}"/>
+              </a:ext>
+            </a:extLst>
+          </p:cNvPr>
+          <p:cNvPicPr>
+            <a:picLocks noChangeAspect="1"/>
+          </p:cNvPicPr>
+          <p:nvPr/>
+        </p:nvPicPr>
+        <p:blipFill>
+          <a:blip r:embed="rId4"/>
+          <a:stretch>
+            <a:fillRect/>
+          </a:stretch>
+        </p:blipFill>
+        <p:spPr>
+          <a:xfrm>
+            <a:off x="4168098" y="2425753"/>
+            <a:ext cx="2070100" cy="2070100"/>
+          </a:xfrm>
+          <a:prstGeom prst="rect">
+            <a:avLst/>
+          </a:prstGeom>
+        </p:spPr>
+      </p:pic>
+      <p:pic>
+        <p:nvPicPr>
+          <p:cNvPr id="11" name="Picture 10">
+            <a:extLst>
+              <a:ext uri="{FF2B5EF4-FFF2-40B4-BE49-F238E27FC236}">
+                <a16:creationId xmlns:a16="http://schemas.microsoft.com/office/drawing/2014/main" id="{91B17D9E-456E-BD02-6FF7-86381C533B7A}"/>
+              </a:ext>
+            </a:extLst>
+          </p:cNvPr>
+          <p:cNvPicPr>
+            <a:picLocks noChangeAspect="1"/>
+          </p:cNvPicPr>
+          <p:nvPr/>
+        </p:nvPicPr>
+        <p:blipFill>
+          <a:blip r:embed="rId5"/>
+          <a:stretch>
+            <a:fillRect/>
+          </a:stretch>
+        </p:blipFill>
+        <p:spPr>
+          <a:xfrm>
+            <a:off x="4168098" y="4624214"/>
+            <a:ext cx="2070100" cy="2070100"/>
+          </a:xfrm>
+          <a:prstGeom prst="rect">
+            <a:avLst/>
+          </a:prstGeom>
+        </p:spPr>
+      </p:pic>
+      <p:sp>
+        <p:nvSpPr>
+          <p:cNvPr id="12" name="TextBox 11">
+            <a:extLst>
+              <a:ext uri="{FF2B5EF4-FFF2-40B4-BE49-F238E27FC236}">
+                <a16:creationId xmlns:a16="http://schemas.microsoft.com/office/drawing/2014/main" id="{A25ED7E9-99AA-4FF3-6A14-B6C681050230}"/>
+              </a:ext>
+            </a:extLst>
+          </p:cNvPr>
+          <p:cNvSpPr txBox="1"/>
+          <p:nvPr/>
+        </p:nvSpPr>
+        <p:spPr>
+          <a:xfrm>
+            <a:off x="3026521" y="227292"/>
+            <a:ext cx="1122423" cy="369332"/>
+          </a:xfrm>
+          <a:prstGeom prst="rect">
+            <a:avLst/>
+          </a:prstGeom>
+          <a:noFill/>
+        </p:spPr>
+        <p:txBody>
+          <a:bodyPr wrap="none" rtlCol="0">
+            <a:spAutoFit/>
+          </a:bodyPr>
+          <a:lstStyle/>
+          <a:p>
+            <a:r>
+              <a:rPr lang="en-DE" dirty="0"/>
+              <a:t>Channel 1</a:t>
+            </a:r>
+          </a:p>
+        </p:txBody>
+      </p:sp>
+      <p:sp>
+        <p:nvSpPr>
+          <p:cNvPr id="13" name="TextBox 12">
+            <a:extLst>
+              <a:ext uri="{FF2B5EF4-FFF2-40B4-BE49-F238E27FC236}">
+                <a16:creationId xmlns:a16="http://schemas.microsoft.com/office/drawing/2014/main" id="{7908F974-950C-5CC5-89ED-B1700459BF42}"/>
+              </a:ext>
+            </a:extLst>
+          </p:cNvPr>
+          <p:cNvSpPr txBox="1"/>
+          <p:nvPr/>
+        </p:nvSpPr>
+        <p:spPr>
+          <a:xfrm>
+            <a:off x="3002978" y="2361678"/>
+            <a:ext cx="1122423" cy="369332"/>
+          </a:xfrm>
+          <a:prstGeom prst="rect">
+            <a:avLst/>
+          </a:prstGeom>
+          <a:noFill/>
+        </p:spPr>
+        <p:txBody>
+          <a:bodyPr wrap="none" rtlCol="0">
+            <a:spAutoFit/>
+          </a:bodyPr>
+          <a:lstStyle/>
+          <a:p>
+            <a:r>
+              <a:rPr lang="en-DE" dirty="0"/>
+              <a:t>Channel 2</a:t>
+            </a:r>
+          </a:p>
+        </p:txBody>
+      </p:sp>
+      <p:sp>
+        <p:nvSpPr>
+          <p:cNvPr id="14" name="TextBox 13">
+            <a:extLst>
+              <a:ext uri="{FF2B5EF4-FFF2-40B4-BE49-F238E27FC236}">
+                <a16:creationId xmlns:a16="http://schemas.microsoft.com/office/drawing/2014/main" id="{0AEECFD9-8D97-1157-0537-39CC3D6E7289}"/>
+              </a:ext>
+            </a:extLst>
+          </p:cNvPr>
+          <p:cNvSpPr txBox="1"/>
+          <p:nvPr/>
+        </p:nvSpPr>
+        <p:spPr>
+          <a:xfrm>
+            <a:off x="3045675" y="4544429"/>
+            <a:ext cx="1122423" cy="369332"/>
+          </a:xfrm>
+          <a:prstGeom prst="rect">
+            <a:avLst/>
+          </a:prstGeom>
+          <a:noFill/>
+        </p:spPr>
+        <p:txBody>
+          <a:bodyPr wrap="none" rtlCol="0">
+            <a:spAutoFit/>
+          </a:bodyPr>
+          <a:lstStyle/>
+          <a:p>
+            <a:r>
+              <a:rPr lang="en-DE" dirty="0"/>
+              <a:t>Channel 3</a:t>
+            </a:r>
+          </a:p>
+        </p:txBody>
+      </p:sp>
+      <p:grpSp>
+        <p:nvGrpSpPr>
+          <p:cNvPr id="79" name="Group 78">
+            <a:extLst>
+              <a:ext uri="{FF2B5EF4-FFF2-40B4-BE49-F238E27FC236}">
+                <a16:creationId xmlns:a16="http://schemas.microsoft.com/office/drawing/2014/main" id="{FE36E32E-78BF-01C9-EBF5-739694BEEB57}"/>
+              </a:ext>
+            </a:extLst>
+          </p:cNvPr>
+          <p:cNvGrpSpPr/>
+          <p:nvPr/>
+        </p:nvGrpSpPr>
+        <p:grpSpPr>
+          <a:xfrm>
+            <a:off x="1156176" y="4288811"/>
+            <a:ext cx="1357441" cy="532485"/>
+            <a:chOff x="177794" y="3163330"/>
+            <a:chExt cx="1357441" cy="532485"/>
+          </a:xfrm>
+          <a:solidFill>
+            <a:schemeClr val="bg1"/>
+          </a:solidFill>
+        </p:grpSpPr>
+        <p:sp>
+          <p:nvSpPr>
+            <p:cNvPr id="15" name="Cube 14">
+              <a:extLst>
+                <a:ext uri="{FF2B5EF4-FFF2-40B4-BE49-F238E27FC236}">
+                  <a16:creationId xmlns:a16="http://schemas.microsoft.com/office/drawing/2014/main" id="{8956CD46-D8E9-B555-1C67-986953B85747}"/>
+                </a:ext>
+              </a:extLst>
+            </p:cNvPr>
+            <p:cNvSpPr/>
+            <p:nvPr/>
+          </p:nvSpPr>
+          <p:spPr>
+            <a:xfrm>
+              <a:off x="344688" y="3163330"/>
+              <a:ext cx="370702" cy="370702"/>
+            </a:xfrm>
+            <a:prstGeom prst="cube">
+              <a:avLst/>
+            </a:prstGeom>
+            <a:grpFill/>
+            <a:ln>
+              <a:solidFill>
+                <a:schemeClr val="tx1"/>
+              </a:solidFill>
+            </a:ln>
+          </p:spPr>
+          <p:style>
+            <a:lnRef idx="1">
+              <a:schemeClr val="accent5"/>
+            </a:lnRef>
+            <a:fillRef idx="2">
+              <a:schemeClr val="accent5"/>
+            </a:fillRef>
+            <a:effectRef idx="1">
+              <a:schemeClr val="accent5"/>
+            </a:effectRef>
+            <a:fontRef idx="minor">
+              <a:schemeClr val="dk1"/>
+            </a:fontRef>
+          </p:style>
+          <p:txBody>
+            <a:bodyPr rtlCol="0" anchor="ctr"/>
+            <a:lstStyle/>
+            <a:p>
+              <a:pPr algn="ctr"/>
+              <a:endParaRPr lang="en-DE"/>
+            </a:p>
+          </p:txBody>
+        </p:sp>
+        <p:sp>
+          <p:nvSpPr>
+            <p:cNvPr id="16" name="Cube 15">
+              <a:extLst>
+                <a:ext uri="{FF2B5EF4-FFF2-40B4-BE49-F238E27FC236}">
+                  <a16:creationId xmlns:a16="http://schemas.microsoft.com/office/drawing/2014/main" id="{7AC007F2-EE15-784E-79BA-897901051689}"/>
+                </a:ext>
+              </a:extLst>
+            </p:cNvPr>
+            <p:cNvSpPr/>
+            <p:nvPr/>
+          </p:nvSpPr>
+          <p:spPr>
+            <a:xfrm>
+              <a:off x="616535" y="3163330"/>
+              <a:ext cx="370702" cy="370702"/>
+            </a:xfrm>
+            <a:prstGeom prst="cube">
+              <a:avLst/>
+            </a:prstGeom>
+            <a:grpFill/>
+            <a:ln>
+              <a:solidFill>
+                <a:schemeClr val="tx1"/>
+              </a:solidFill>
+            </a:ln>
+          </p:spPr>
+          <p:style>
+            <a:lnRef idx="1">
+              <a:schemeClr val="accent5"/>
+            </a:lnRef>
+            <a:fillRef idx="2">
+              <a:schemeClr val="accent5"/>
+            </a:fillRef>
+            <a:effectRef idx="1">
+              <a:schemeClr val="accent5"/>
+            </a:effectRef>
+            <a:fontRef idx="minor">
+              <a:schemeClr val="dk1"/>
+            </a:fontRef>
+          </p:style>
+          <p:txBody>
+            <a:bodyPr rtlCol="0" anchor="ctr"/>
+            <a:lstStyle/>
+            <a:p>
+              <a:pPr algn="ctr"/>
+              <a:endParaRPr lang="en-DE"/>
+            </a:p>
+          </p:txBody>
+        </p:sp>
+        <p:sp>
+          <p:nvSpPr>
+            <p:cNvPr id="17" name="Cube 16">
+              <a:extLst>
+                <a:ext uri="{FF2B5EF4-FFF2-40B4-BE49-F238E27FC236}">
+                  <a16:creationId xmlns:a16="http://schemas.microsoft.com/office/drawing/2014/main" id="{8514D4DB-9E2C-83B6-03B6-A6A0E0CCA10D}"/>
+                </a:ext>
+              </a:extLst>
+            </p:cNvPr>
+            <p:cNvSpPr/>
+            <p:nvPr/>
+          </p:nvSpPr>
+          <p:spPr>
+            <a:xfrm>
+              <a:off x="888382" y="3163330"/>
+              <a:ext cx="370702" cy="370702"/>
+            </a:xfrm>
+            <a:prstGeom prst="cube">
+              <a:avLst/>
+            </a:prstGeom>
+            <a:grpFill/>
+            <a:ln>
+              <a:solidFill>
+                <a:schemeClr val="tx1"/>
+              </a:solidFill>
+            </a:ln>
+          </p:spPr>
+          <p:style>
+            <a:lnRef idx="1">
+              <a:schemeClr val="accent5"/>
+            </a:lnRef>
+            <a:fillRef idx="2">
+              <a:schemeClr val="accent5"/>
+            </a:fillRef>
+            <a:effectRef idx="1">
+              <a:schemeClr val="accent5"/>
+            </a:effectRef>
+            <a:fontRef idx="minor">
+              <a:schemeClr val="dk1"/>
+            </a:fontRef>
+          </p:style>
+          <p:txBody>
+            <a:bodyPr rtlCol="0" anchor="ctr"/>
+            <a:lstStyle/>
+            <a:p>
+              <a:pPr algn="ctr"/>
+              <a:endParaRPr lang="en-DE"/>
+            </a:p>
+          </p:txBody>
+        </p:sp>
+        <p:sp>
+          <p:nvSpPr>
+            <p:cNvPr id="18" name="Cube 17">
+              <a:extLst>
+                <a:ext uri="{FF2B5EF4-FFF2-40B4-BE49-F238E27FC236}">
+                  <a16:creationId xmlns:a16="http://schemas.microsoft.com/office/drawing/2014/main" id="{1D011D6D-8BFA-6853-D1D0-331BCA0B0D8E}"/>
+                </a:ext>
+              </a:extLst>
+            </p:cNvPr>
+            <p:cNvSpPr/>
+            <p:nvPr/>
+          </p:nvSpPr>
+          <p:spPr>
+            <a:xfrm>
+              <a:off x="261435" y="3243649"/>
+              <a:ext cx="370702" cy="370702"/>
+            </a:xfrm>
+            <a:prstGeom prst="cube">
+              <a:avLst/>
+            </a:prstGeom>
+            <a:grpFill/>
+            <a:ln>
+              <a:solidFill>
+                <a:schemeClr val="tx1"/>
+              </a:solidFill>
+            </a:ln>
+          </p:spPr>
+          <p:style>
+            <a:lnRef idx="1">
+              <a:schemeClr val="accent5"/>
+            </a:lnRef>
+            <a:fillRef idx="2">
+              <a:schemeClr val="accent5"/>
+            </a:fillRef>
+            <a:effectRef idx="1">
+              <a:schemeClr val="accent5"/>
+            </a:effectRef>
+            <a:fontRef idx="minor">
+              <a:schemeClr val="dk1"/>
+            </a:fontRef>
+          </p:style>
+          <p:txBody>
+            <a:bodyPr rtlCol="0" anchor="ctr"/>
+            <a:lstStyle/>
+            <a:p>
+              <a:pPr algn="ctr"/>
+              <a:endParaRPr lang="en-DE"/>
+            </a:p>
+          </p:txBody>
+        </p:sp>
+        <p:sp>
+          <p:nvSpPr>
+            <p:cNvPr id="19" name="Cube 18">
+              <a:extLst>
+                <a:ext uri="{FF2B5EF4-FFF2-40B4-BE49-F238E27FC236}">
+                  <a16:creationId xmlns:a16="http://schemas.microsoft.com/office/drawing/2014/main" id="{9A1885DF-817A-86CA-8619-577908811C94}"/>
+                </a:ext>
+              </a:extLst>
+            </p:cNvPr>
+            <p:cNvSpPr/>
+            <p:nvPr/>
+          </p:nvSpPr>
+          <p:spPr>
+            <a:xfrm>
+              <a:off x="533282" y="3243649"/>
+              <a:ext cx="370702" cy="370702"/>
+            </a:xfrm>
+            <a:prstGeom prst="cube">
+              <a:avLst/>
+            </a:prstGeom>
+            <a:grpFill/>
+            <a:ln>
+              <a:solidFill>
+                <a:schemeClr val="tx1"/>
+              </a:solidFill>
+            </a:ln>
+          </p:spPr>
+          <p:style>
+            <a:lnRef idx="1">
+              <a:schemeClr val="accent5"/>
+            </a:lnRef>
+            <a:fillRef idx="2">
+              <a:schemeClr val="accent5"/>
+            </a:fillRef>
+            <a:effectRef idx="1">
+              <a:schemeClr val="accent5"/>
+            </a:effectRef>
+            <a:fontRef idx="minor">
+              <a:schemeClr val="dk1"/>
+            </a:fontRef>
+          </p:style>
+          <p:txBody>
+            <a:bodyPr rtlCol="0" anchor="ctr"/>
+            <a:lstStyle/>
+            <a:p>
+              <a:pPr algn="ctr"/>
+              <a:endParaRPr lang="en-DE"/>
+            </a:p>
+          </p:txBody>
+        </p:sp>
+        <p:sp>
+          <p:nvSpPr>
+            <p:cNvPr id="20" name="Cube 19">
+              <a:extLst>
+                <a:ext uri="{FF2B5EF4-FFF2-40B4-BE49-F238E27FC236}">
+                  <a16:creationId xmlns:a16="http://schemas.microsoft.com/office/drawing/2014/main" id="{4E266336-0979-750E-836C-4A2C72E00D27}"/>
+                </a:ext>
+              </a:extLst>
+            </p:cNvPr>
+            <p:cNvSpPr/>
+            <p:nvPr/>
+          </p:nvSpPr>
+          <p:spPr>
+            <a:xfrm>
+              <a:off x="811616" y="3243649"/>
+              <a:ext cx="370702" cy="370702"/>
+            </a:xfrm>
+            <a:prstGeom prst="cube">
+              <a:avLst/>
+            </a:prstGeom>
+            <a:grpFill/>
+            <a:ln>
+              <a:solidFill>
+                <a:schemeClr val="tx1"/>
+              </a:solidFill>
+            </a:ln>
+          </p:spPr>
+          <p:style>
+            <a:lnRef idx="1">
+              <a:schemeClr val="accent5"/>
+            </a:lnRef>
+            <a:fillRef idx="2">
+              <a:schemeClr val="accent5"/>
+            </a:fillRef>
+            <a:effectRef idx="1">
+              <a:schemeClr val="accent5"/>
+            </a:effectRef>
+            <a:fontRef idx="minor">
+              <a:schemeClr val="dk1"/>
+            </a:fontRef>
+          </p:style>
+          <p:txBody>
+            <a:bodyPr rtlCol="0" anchor="ctr"/>
+            <a:lstStyle/>
+            <a:p>
+              <a:pPr algn="ctr"/>
+              <a:endParaRPr lang="en-DE"/>
+            </a:p>
+          </p:txBody>
+        </p:sp>
+        <p:sp>
+          <p:nvSpPr>
+            <p:cNvPr id="21" name="Cube 20">
+              <a:extLst>
+                <a:ext uri="{FF2B5EF4-FFF2-40B4-BE49-F238E27FC236}">
+                  <a16:creationId xmlns:a16="http://schemas.microsoft.com/office/drawing/2014/main" id="{0DBD2E71-08CE-1F86-333A-0C5451CE84BF}"/>
+                </a:ext>
+              </a:extLst>
+            </p:cNvPr>
+            <p:cNvSpPr/>
+            <p:nvPr/>
+          </p:nvSpPr>
+          <p:spPr>
+            <a:xfrm>
+              <a:off x="177794" y="3323968"/>
+              <a:ext cx="370702" cy="370702"/>
+            </a:xfrm>
+            <a:prstGeom prst="cube">
+              <a:avLst/>
+            </a:prstGeom>
+            <a:solidFill>
+              <a:schemeClr val="bg1">
+                <a:lumMod val="65000"/>
+              </a:schemeClr>
+            </a:solidFill>
+            <a:ln>
+              <a:solidFill>
+                <a:schemeClr val="tx1"/>
+              </a:solidFill>
+            </a:ln>
+          </p:spPr>
+          <p:style>
+            <a:lnRef idx="1">
+              <a:schemeClr val="accent5"/>
+            </a:lnRef>
+            <a:fillRef idx="2">
+              <a:schemeClr val="accent5"/>
+            </a:fillRef>
+            <a:effectRef idx="1">
+              <a:schemeClr val="accent5"/>
+            </a:effectRef>
+            <a:fontRef idx="minor">
+              <a:schemeClr val="dk1"/>
+            </a:fontRef>
+          </p:style>
+          <p:txBody>
+            <a:bodyPr rtlCol="0" anchor="ctr"/>
+            <a:lstStyle/>
+            <a:p>
+              <a:pPr algn="ctr"/>
+              <a:endParaRPr lang="en-DE"/>
+            </a:p>
+          </p:txBody>
+        </p:sp>
+        <p:sp>
+          <p:nvSpPr>
+            <p:cNvPr id="22" name="Cube 21">
+              <a:extLst>
+                <a:ext uri="{FF2B5EF4-FFF2-40B4-BE49-F238E27FC236}">
+                  <a16:creationId xmlns:a16="http://schemas.microsoft.com/office/drawing/2014/main" id="{BA217016-6E84-4315-2A79-DBA40387A84C}"/>
+                </a:ext>
+              </a:extLst>
+            </p:cNvPr>
+            <p:cNvSpPr/>
+            <p:nvPr/>
+          </p:nvSpPr>
+          <p:spPr>
+            <a:xfrm>
+              <a:off x="458368" y="3323968"/>
+              <a:ext cx="370702" cy="370702"/>
+            </a:xfrm>
+            <a:prstGeom prst="cube">
+              <a:avLst/>
+            </a:prstGeom>
+            <a:grpFill/>
+            <a:ln>
+              <a:solidFill>
+                <a:schemeClr val="tx1"/>
+              </a:solidFill>
+            </a:ln>
+          </p:spPr>
+          <p:style>
+            <a:lnRef idx="1">
+              <a:schemeClr val="accent5"/>
+            </a:lnRef>
+            <a:fillRef idx="2">
+              <a:schemeClr val="accent5"/>
+            </a:fillRef>
+            <a:effectRef idx="1">
+              <a:schemeClr val="accent5"/>
+            </a:effectRef>
+            <a:fontRef idx="minor">
+              <a:schemeClr val="dk1"/>
+            </a:fontRef>
+          </p:style>
+          <p:txBody>
+            <a:bodyPr rtlCol="0" anchor="ctr"/>
+            <a:lstStyle/>
+            <a:p>
+              <a:pPr algn="ctr"/>
+              <a:endParaRPr lang="en-DE"/>
+            </a:p>
+          </p:txBody>
+        </p:sp>
+        <p:sp>
+          <p:nvSpPr>
+            <p:cNvPr id="23" name="Cube 22">
+              <a:extLst>
+                <a:ext uri="{FF2B5EF4-FFF2-40B4-BE49-F238E27FC236}">
+                  <a16:creationId xmlns:a16="http://schemas.microsoft.com/office/drawing/2014/main" id="{8E0E7E13-A852-0599-3EBA-AC2BEE2E3360}"/>
+                </a:ext>
+              </a:extLst>
+            </p:cNvPr>
+            <p:cNvSpPr/>
+            <p:nvPr/>
+          </p:nvSpPr>
+          <p:spPr>
+            <a:xfrm>
+              <a:off x="737090" y="3323968"/>
+              <a:ext cx="370702" cy="370702"/>
+            </a:xfrm>
+            <a:prstGeom prst="cube">
+              <a:avLst/>
+            </a:prstGeom>
+            <a:solidFill>
+              <a:schemeClr val="tx2"/>
+            </a:solidFill>
+            <a:ln>
+              <a:solidFill>
+                <a:schemeClr val="tx1"/>
+              </a:solidFill>
+            </a:ln>
+          </p:spPr>
+          <p:style>
+            <a:lnRef idx="1">
+              <a:schemeClr val="accent5"/>
+            </a:lnRef>
+            <a:fillRef idx="2">
+              <a:schemeClr val="accent5"/>
+            </a:fillRef>
+            <a:effectRef idx="1">
+              <a:schemeClr val="accent5"/>
+            </a:effectRef>
+            <a:fontRef idx="minor">
+              <a:schemeClr val="dk1"/>
+            </a:fontRef>
+          </p:style>
+          <p:txBody>
+            <a:bodyPr rtlCol="0" anchor="ctr"/>
+            <a:lstStyle/>
+            <a:p>
+              <a:pPr algn="ctr"/>
+              <a:endParaRPr lang="en-DE"/>
+            </a:p>
+          </p:txBody>
+        </p:sp>
+        <p:sp>
+          <p:nvSpPr>
+            <p:cNvPr id="76" name="Cube 75">
+              <a:extLst>
+                <a:ext uri="{FF2B5EF4-FFF2-40B4-BE49-F238E27FC236}">
+                  <a16:creationId xmlns:a16="http://schemas.microsoft.com/office/drawing/2014/main" id="{38F361E2-8E2E-BF19-D57A-A1E6975E1401}"/>
+                </a:ext>
+              </a:extLst>
+            </p:cNvPr>
+            <p:cNvSpPr/>
+            <p:nvPr/>
+          </p:nvSpPr>
+          <p:spPr>
+            <a:xfrm>
+              <a:off x="1164533" y="3164475"/>
+              <a:ext cx="370702" cy="370702"/>
+            </a:xfrm>
+            <a:prstGeom prst="cube">
+              <a:avLst/>
+            </a:prstGeom>
+            <a:grpFill/>
+            <a:ln>
+              <a:solidFill>
+                <a:schemeClr val="tx1"/>
+              </a:solidFill>
+            </a:ln>
+          </p:spPr>
+          <p:style>
+            <a:lnRef idx="1">
+              <a:schemeClr val="accent5"/>
+            </a:lnRef>
+            <a:fillRef idx="2">
+              <a:schemeClr val="accent5"/>
+            </a:fillRef>
+            <a:effectRef idx="1">
+              <a:schemeClr val="accent5"/>
+            </a:effectRef>
+            <a:fontRef idx="minor">
+              <a:schemeClr val="dk1"/>
+            </a:fontRef>
+          </p:style>
+          <p:txBody>
+            <a:bodyPr rtlCol="0" anchor="ctr"/>
+            <a:lstStyle/>
+            <a:p>
+              <a:pPr algn="ctr"/>
+              <a:endParaRPr lang="en-DE"/>
+            </a:p>
+          </p:txBody>
+        </p:sp>
+        <p:sp>
+          <p:nvSpPr>
+            <p:cNvPr id="77" name="Cube 76">
+              <a:extLst>
+                <a:ext uri="{FF2B5EF4-FFF2-40B4-BE49-F238E27FC236}">
+                  <a16:creationId xmlns:a16="http://schemas.microsoft.com/office/drawing/2014/main" id="{7136730D-E6AB-781D-A57B-27DB9A35EF2B}"/>
+                </a:ext>
+              </a:extLst>
+            </p:cNvPr>
+            <p:cNvSpPr/>
+            <p:nvPr/>
+          </p:nvSpPr>
+          <p:spPr>
+            <a:xfrm>
+              <a:off x="1087767" y="3251669"/>
+              <a:ext cx="370702" cy="370702"/>
+            </a:xfrm>
+            <a:prstGeom prst="cube">
+              <a:avLst/>
+            </a:prstGeom>
+            <a:grpFill/>
+            <a:ln>
+              <a:solidFill>
+                <a:schemeClr val="tx1"/>
+              </a:solidFill>
+            </a:ln>
+          </p:spPr>
+          <p:style>
+            <a:lnRef idx="1">
+              <a:schemeClr val="accent5"/>
+            </a:lnRef>
+            <a:fillRef idx="2">
+              <a:schemeClr val="accent5"/>
+            </a:fillRef>
+            <a:effectRef idx="1">
+              <a:schemeClr val="accent5"/>
+            </a:effectRef>
+            <a:fontRef idx="minor">
+              <a:schemeClr val="dk1"/>
+            </a:fontRef>
+          </p:style>
+          <p:txBody>
+            <a:bodyPr rtlCol="0" anchor="ctr"/>
+            <a:lstStyle/>
+            <a:p>
+              <a:pPr algn="ctr"/>
+              <a:endParaRPr lang="en-DE"/>
+            </a:p>
+          </p:txBody>
+        </p:sp>
+        <p:sp>
+          <p:nvSpPr>
+            <p:cNvPr id="78" name="Cube 77">
+              <a:extLst>
+                <a:ext uri="{FF2B5EF4-FFF2-40B4-BE49-F238E27FC236}">
+                  <a16:creationId xmlns:a16="http://schemas.microsoft.com/office/drawing/2014/main" id="{7D9EC64F-34FC-968A-8497-8D65371A26DD}"/>
+                </a:ext>
+              </a:extLst>
+            </p:cNvPr>
+            <p:cNvSpPr/>
+            <p:nvPr/>
+          </p:nvSpPr>
+          <p:spPr>
+            <a:xfrm>
+              <a:off x="1013241" y="3325113"/>
+              <a:ext cx="370702" cy="370702"/>
+            </a:xfrm>
+            <a:prstGeom prst="cube">
+              <a:avLst/>
+            </a:prstGeom>
+            <a:grpFill/>
+            <a:ln>
+              <a:solidFill>
+                <a:schemeClr val="tx1"/>
+              </a:solidFill>
+            </a:ln>
+          </p:spPr>
+          <p:style>
+            <a:lnRef idx="1">
+              <a:schemeClr val="accent5"/>
+            </a:lnRef>
+            <a:fillRef idx="2">
+              <a:schemeClr val="accent5"/>
+            </a:fillRef>
+            <a:effectRef idx="1">
+              <a:schemeClr val="accent5"/>
+            </a:effectRef>
+            <a:fontRef idx="minor">
+              <a:schemeClr val="dk1"/>
+            </a:fontRef>
+          </p:style>
+          <p:txBody>
+            <a:bodyPr rtlCol="0" anchor="ctr"/>
+            <a:lstStyle/>
+            <a:p>
+              <a:pPr algn="ctr"/>
+              <a:endParaRPr lang="en-DE"/>
+            </a:p>
+          </p:txBody>
+        </p:sp>
+      </p:grpSp>
+      <p:grpSp>
+        <p:nvGrpSpPr>
+          <p:cNvPr id="80" name="Group 79">
+            <a:extLst>
+              <a:ext uri="{FF2B5EF4-FFF2-40B4-BE49-F238E27FC236}">
+                <a16:creationId xmlns:a16="http://schemas.microsoft.com/office/drawing/2014/main" id="{B57E46B0-1486-D2A3-CB05-BDB4686A6F2E}"/>
+              </a:ext>
+            </a:extLst>
+          </p:cNvPr>
+          <p:cNvGrpSpPr/>
+          <p:nvPr/>
+        </p:nvGrpSpPr>
+        <p:grpSpPr>
+          <a:xfrm>
+            <a:off x="1156176" y="3925268"/>
+            <a:ext cx="1357441" cy="532485"/>
+            <a:chOff x="177794" y="3163330"/>
+            <a:chExt cx="1357441" cy="532485"/>
+          </a:xfrm>
+          <a:solidFill>
+            <a:schemeClr val="bg1"/>
+          </a:solidFill>
+        </p:grpSpPr>
+        <p:sp>
+          <p:nvSpPr>
+            <p:cNvPr id="81" name="Cube 80">
+              <a:extLst>
+                <a:ext uri="{FF2B5EF4-FFF2-40B4-BE49-F238E27FC236}">
+                  <a16:creationId xmlns:a16="http://schemas.microsoft.com/office/drawing/2014/main" id="{EE4300AC-A227-647B-E54F-3049066459C3}"/>
+                </a:ext>
+              </a:extLst>
+            </p:cNvPr>
+            <p:cNvSpPr/>
+            <p:nvPr/>
+          </p:nvSpPr>
+          <p:spPr>
+            <a:xfrm>
+              <a:off x="344688" y="3163330"/>
+              <a:ext cx="370702" cy="370702"/>
+            </a:xfrm>
+            <a:prstGeom prst="cube">
+              <a:avLst/>
+            </a:prstGeom>
+            <a:grpFill/>
+          </p:spPr>
+          <p:style>
+            <a:lnRef idx="2">
+              <a:schemeClr val="accent1">
+                <a:shade val="15000"/>
+              </a:schemeClr>
+            </a:lnRef>
+            <a:fillRef idx="1">
+              <a:schemeClr val="accent1"/>
+            </a:fillRef>
+            <a:effectRef idx="0">
+              <a:schemeClr val="accent1"/>
+            </a:effectRef>
+            <a:fontRef idx="minor">
+              <a:schemeClr val="lt1"/>
+            </a:fontRef>
+          </p:style>
+          <p:txBody>
+            <a:bodyPr rtlCol="0" anchor="ctr"/>
+            <a:lstStyle/>
+            <a:p>
+              <a:pPr algn="ctr"/>
+              <a:endParaRPr lang="en-DE"/>
+            </a:p>
+          </p:txBody>
+        </p:sp>
+        <p:sp>
+          <p:nvSpPr>
+            <p:cNvPr id="82" name="Cube 81">
+              <a:extLst>
+                <a:ext uri="{FF2B5EF4-FFF2-40B4-BE49-F238E27FC236}">
+                  <a16:creationId xmlns:a16="http://schemas.microsoft.com/office/drawing/2014/main" id="{C25F55A7-978C-351E-7E7A-E0A580DE9C59}"/>
+                </a:ext>
+              </a:extLst>
+            </p:cNvPr>
+            <p:cNvSpPr/>
+            <p:nvPr/>
+          </p:nvSpPr>
+          <p:spPr>
+            <a:xfrm>
+              <a:off x="616535" y="3163330"/>
+              <a:ext cx="370702" cy="370702"/>
+            </a:xfrm>
+            <a:prstGeom prst="cube">
+              <a:avLst/>
+            </a:prstGeom>
+            <a:grpFill/>
+          </p:spPr>
+          <p:style>
+            <a:lnRef idx="2">
+              <a:schemeClr val="accent1">
+                <a:shade val="15000"/>
+              </a:schemeClr>
+            </a:lnRef>
+            <a:fillRef idx="1">
+              <a:schemeClr val="accent1"/>
+            </a:fillRef>
+            <a:effectRef idx="0">
+              <a:schemeClr val="accent1"/>
+            </a:effectRef>
+            <a:fontRef idx="minor">
+              <a:schemeClr val="lt1"/>
+            </a:fontRef>
+          </p:style>
+          <p:txBody>
+            <a:bodyPr rtlCol="0" anchor="ctr"/>
+            <a:lstStyle/>
+            <a:p>
+              <a:pPr algn="ctr"/>
+              <a:endParaRPr lang="en-DE"/>
+            </a:p>
+          </p:txBody>
+        </p:sp>
+        <p:sp>
+          <p:nvSpPr>
+            <p:cNvPr id="83" name="Cube 82">
+              <a:extLst>
+                <a:ext uri="{FF2B5EF4-FFF2-40B4-BE49-F238E27FC236}">
+                  <a16:creationId xmlns:a16="http://schemas.microsoft.com/office/drawing/2014/main" id="{B2302773-1A8D-6CFF-C3F5-1789B0075DEC}"/>
+                </a:ext>
+              </a:extLst>
+            </p:cNvPr>
+            <p:cNvSpPr/>
+            <p:nvPr/>
+          </p:nvSpPr>
+          <p:spPr>
+            <a:xfrm>
+              <a:off x="888382" y="3163330"/>
+              <a:ext cx="370702" cy="370702"/>
+            </a:xfrm>
+            <a:prstGeom prst="cube">
+              <a:avLst/>
+            </a:prstGeom>
+            <a:grpFill/>
+          </p:spPr>
+          <p:style>
+            <a:lnRef idx="2">
+              <a:schemeClr val="accent1">
+                <a:shade val="15000"/>
+              </a:schemeClr>
+            </a:lnRef>
+            <a:fillRef idx="1">
+              <a:schemeClr val="accent1"/>
+            </a:fillRef>
+            <a:effectRef idx="0">
+              <a:schemeClr val="accent1"/>
+            </a:effectRef>
+            <a:fontRef idx="minor">
+              <a:schemeClr val="lt1"/>
+            </a:fontRef>
+          </p:style>
+          <p:txBody>
+            <a:bodyPr rtlCol="0" anchor="ctr"/>
+            <a:lstStyle/>
+            <a:p>
+              <a:pPr algn="ctr"/>
+              <a:endParaRPr lang="en-DE"/>
+            </a:p>
+          </p:txBody>
+        </p:sp>
+        <p:sp>
+          <p:nvSpPr>
+            <p:cNvPr id="84" name="Cube 83">
+              <a:extLst>
+                <a:ext uri="{FF2B5EF4-FFF2-40B4-BE49-F238E27FC236}">
+                  <a16:creationId xmlns:a16="http://schemas.microsoft.com/office/drawing/2014/main" id="{396B3DE7-2C31-8105-38C5-5062FBF57BFD}"/>
+                </a:ext>
+              </a:extLst>
+            </p:cNvPr>
+            <p:cNvSpPr/>
+            <p:nvPr/>
+          </p:nvSpPr>
+          <p:spPr>
+            <a:xfrm>
+              <a:off x="261435" y="3243649"/>
+              <a:ext cx="370702" cy="370702"/>
+            </a:xfrm>
+            <a:prstGeom prst="cube">
+              <a:avLst/>
+            </a:prstGeom>
+            <a:grpFill/>
+          </p:spPr>
+          <p:style>
+            <a:lnRef idx="2">
+              <a:schemeClr val="accent1">
+                <a:shade val="15000"/>
+              </a:schemeClr>
+            </a:lnRef>
+            <a:fillRef idx="1">
+              <a:schemeClr val="accent1"/>
+            </a:fillRef>
+            <a:effectRef idx="0">
+              <a:schemeClr val="accent1"/>
+            </a:effectRef>
+            <a:fontRef idx="minor">
+              <a:schemeClr val="lt1"/>
+            </a:fontRef>
+          </p:style>
+          <p:txBody>
+            <a:bodyPr rtlCol="0" anchor="ctr"/>
+            <a:lstStyle/>
+            <a:p>
+              <a:pPr algn="ctr"/>
+              <a:endParaRPr lang="en-DE"/>
+            </a:p>
+          </p:txBody>
+        </p:sp>
+        <p:sp>
+          <p:nvSpPr>
+            <p:cNvPr id="85" name="Cube 84">
+              <a:extLst>
+                <a:ext uri="{FF2B5EF4-FFF2-40B4-BE49-F238E27FC236}">
+                  <a16:creationId xmlns:a16="http://schemas.microsoft.com/office/drawing/2014/main" id="{A0DFF770-E02B-5B95-AA60-3AB16278B869}"/>
+                </a:ext>
+              </a:extLst>
+            </p:cNvPr>
+            <p:cNvSpPr/>
+            <p:nvPr/>
+          </p:nvSpPr>
+          <p:spPr>
+            <a:xfrm>
+              <a:off x="533282" y="3243649"/>
+              <a:ext cx="370702" cy="370702"/>
+            </a:xfrm>
+            <a:prstGeom prst="cube">
+              <a:avLst/>
+            </a:prstGeom>
+            <a:grpFill/>
+          </p:spPr>
+          <p:style>
+            <a:lnRef idx="2">
+              <a:schemeClr val="accent1">
+                <a:shade val="15000"/>
+              </a:schemeClr>
+            </a:lnRef>
+            <a:fillRef idx="1">
+              <a:schemeClr val="accent1"/>
+            </a:fillRef>
+            <a:effectRef idx="0">
+              <a:schemeClr val="accent1"/>
+            </a:effectRef>
+            <a:fontRef idx="minor">
+              <a:schemeClr val="lt1"/>
+            </a:fontRef>
+          </p:style>
+          <p:txBody>
+            <a:bodyPr rtlCol="0" anchor="ctr"/>
+            <a:lstStyle/>
+            <a:p>
+              <a:pPr algn="ctr"/>
+              <a:endParaRPr lang="en-DE"/>
+            </a:p>
+          </p:txBody>
+        </p:sp>
+        <p:sp>
+          <p:nvSpPr>
+            <p:cNvPr id="86" name="Cube 85">
+              <a:extLst>
+                <a:ext uri="{FF2B5EF4-FFF2-40B4-BE49-F238E27FC236}">
+                  <a16:creationId xmlns:a16="http://schemas.microsoft.com/office/drawing/2014/main" id="{6D602DCE-3AFD-B0A5-2836-212497D15202}"/>
+                </a:ext>
+              </a:extLst>
+            </p:cNvPr>
+            <p:cNvSpPr/>
+            <p:nvPr/>
+          </p:nvSpPr>
+          <p:spPr>
+            <a:xfrm>
+              <a:off x="811616" y="3243649"/>
+              <a:ext cx="370702" cy="370702"/>
+            </a:xfrm>
+            <a:prstGeom prst="cube">
+              <a:avLst/>
+            </a:prstGeom>
+            <a:grpFill/>
+          </p:spPr>
+          <p:style>
+            <a:lnRef idx="2">
+              <a:schemeClr val="accent1">
+                <a:shade val="15000"/>
+              </a:schemeClr>
+            </a:lnRef>
+            <a:fillRef idx="1">
+              <a:schemeClr val="accent1"/>
+            </a:fillRef>
+            <a:effectRef idx="0">
+              <a:schemeClr val="accent1"/>
+            </a:effectRef>
+            <a:fontRef idx="minor">
+              <a:schemeClr val="lt1"/>
+            </a:fontRef>
+          </p:style>
+          <p:txBody>
+            <a:bodyPr rtlCol="0" anchor="ctr"/>
+            <a:lstStyle/>
+            <a:p>
+              <a:pPr algn="ctr"/>
+              <a:endParaRPr lang="en-DE"/>
+            </a:p>
+          </p:txBody>
+        </p:sp>
+        <p:sp>
+          <p:nvSpPr>
+            <p:cNvPr id="87" name="Cube 86">
+              <a:extLst>
+                <a:ext uri="{FF2B5EF4-FFF2-40B4-BE49-F238E27FC236}">
+                  <a16:creationId xmlns:a16="http://schemas.microsoft.com/office/drawing/2014/main" id="{61523B44-59B2-D16C-FE5E-500507201638}"/>
+                </a:ext>
+              </a:extLst>
+            </p:cNvPr>
+            <p:cNvSpPr/>
+            <p:nvPr/>
+          </p:nvSpPr>
+          <p:spPr>
+            <a:xfrm>
+              <a:off x="177794" y="3323968"/>
+              <a:ext cx="370702" cy="370702"/>
+            </a:xfrm>
+            <a:prstGeom prst="cube">
+              <a:avLst/>
+            </a:prstGeom>
+            <a:grpFill/>
+          </p:spPr>
+          <p:style>
+            <a:lnRef idx="2">
+              <a:schemeClr val="accent1">
+                <a:shade val="15000"/>
+              </a:schemeClr>
+            </a:lnRef>
+            <a:fillRef idx="1">
+              <a:schemeClr val="accent1"/>
+            </a:fillRef>
+            <a:effectRef idx="0">
+              <a:schemeClr val="accent1"/>
+            </a:effectRef>
+            <a:fontRef idx="minor">
+              <a:schemeClr val="lt1"/>
+            </a:fontRef>
+          </p:style>
+          <p:txBody>
+            <a:bodyPr rtlCol="0" anchor="ctr"/>
+            <a:lstStyle/>
+            <a:p>
+              <a:pPr algn="ctr"/>
+              <a:endParaRPr lang="en-DE"/>
+            </a:p>
+          </p:txBody>
+        </p:sp>
+        <p:sp>
+          <p:nvSpPr>
+            <p:cNvPr id="88" name="Cube 87">
+              <a:extLst>
+                <a:ext uri="{FF2B5EF4-FFF2-40B4-BE49-F238E27FC236}">
+                  <a16:creationId xmlns:a16="http://schemas.microsoft.com/office/drawing/2014/main" id="{8EA49145-7E26-B32D-C0E0-144655DEEC4A}"/>
+                </a:ext>
+              </a:extLst>
+            </p:cNvPr>
+            <p:cNvSpPr/>
+            <p:nvPr/>
+          </p:nvSpPr>
+          <p:spPr>
+            <a:xfrm>
+              <a:off x="458368" y="3323968"/>
+              <a:ext cx="370702" cy="370702"/>
+            </a:xfrm>
+            <a:prstGeom prst="cube">
+              <a:avLst/>
+            </a:prstGeom>
+            <a:solidFill>
+              <a:schemeClr val="bg2">
+                <a:lumMod val="90000"/>
+              </a:schemeClr>
+            </a:solidFill>
+          </p:spPr>
+          <p:style>
+            <a:lnRef idx="2">
+              <a:schemeClr val="accent1">
+                <a:shade val="15000"/>
+              </a:schemeClr>
+            </a:lnRef>
+            <a:fillRef idx="1">
+              <a:schemeClr val="accent1"/>
+            </a:fillRef>
+            <a:effectRef idx="0">
+              <a:schemeClr val="accent1"/>
+            </a:effectRef>
+            <a:fontRef idx="minor">
+              <a:schemeClr val="lt1"/>
+            </a:fontRef>
+          </p:style>
+          <p:txBody>
+            <a:bodyPr rtlCol="0" anchor="ctr"/>
+            <a:lstStyle/>
+            <a:p>
+              <a:pPr algn="ctr"/>
+              <a:endParaRPr lang="en-DE"/>
+            </a:p>
+          </p:txBody>
+        </p:sp>
+        <p:sp>
+          <p:nvSpPr>
+            <p:cNvPr id="89" name="Cube 88">
+              <a:extLst>
+                <a:ext uri="{FF2B5EF4-FFF2-40B4-BE49-F238E27FC236}">
+                  <a16:creationId xmlns:a16="http://schemas.microsoft.com/office/drawing/2014/main" id="{82EEDB3A-107B-5286-987B-EE5A82F33651}"/>
+                </a:ext>
+              </a:extLst>
+            </p:cNvPr>
+            <p:cNvSpPr/>
+            <p:nvPr/>
+          </p:nvSpPr>
+          <p:spPr>
+            <a:xfrm>
+              <a:off x="737090" y="3323968"/>
+              <a:ext cx="370702" cy="370702"/>
+            </a:xfrm>
+            <a:prstGeom prst="cube">
+              <a:avLst/>
+            </a:prstGeom>
+            <a:grpFill/>
+          </p:spPr>
+          <p:style>
+            <a:lnRef idx="2">
+              <a:schemeClr val="accent1">
+                <a:shade val="15000"/>
+              </a:schemeClr>
+            </a:lnRef>
+            <a:fillRef idx="1">
+              <a:schemeClr val="accent1"/>
+            </a:fillRef>
+            <a:effectRef idx="0">
+              <a:schemeClr val="accent1"/>
+            </a:effectRef>
+            <a:fontRef idx="minor">
+              <a:schemeClr val="lt1"/>
+            </a:fontRef>
+          </p:style>
+          <p:txBody>
+            <a:bodyPr rtlCol="0" anchor="ctr"/>
+            <a:lstStyle/>
+            <a:p>
+              <a:pPr algn="ctr"/>
+              <a:endParaRPr lang="en-DE"/>
+            </a:p>
+          </p:txBody>
+        </p:sp>
+        <p:sp>
+          <p:nvSpPr>
+            <p:cNvPr id="90" name="Cube 89">
+              <a:extLst>
+                <a:ext uri="{FF2B5EF4-FFF2-40B4-BE49-F238E27FC236}">
+                  <a16:creationId xmlns:a16="http://schemas.microsoft.com/office/drawing/2014/main" id="{26E1ACB6-4995-28D3-A4E3-1EEE71DCE92E}"/>
+                </a:ext>
+              </a:extLst>
+            </p:cNvPr>
+            <p:cNvSpPr/>
+            <p:nvPr/>
+          </p:nvSpPr>
+          <p:spPr>
+            <a:xfrm>
+              <a:off x="1164533" y="3164475"/>
+              <a:ext cx="370702" cy="370702"/>
+            </a:xfrm>
+            <a:prstGeom prst="cube">
+              <a:avLst/>
+            </a:prstGeom>
+            <a:grpFill/>
+          </p:spPr>
+          <p:style>
+            <a:lnRef idx="2">
+              <a:schemeClr val="accent1">
+                <a:shade val="15000"/>
+              </a:schemeClr>
+            </a:lnRef>
+            <a:fillRef idx="1">
+              <a:schemeClr val="accent1"/>
+            </a:fillRef>
+            <a:effectRef idx="0">
+              <a:schemeClr val="accent1"/>
+            </a:effectRef>
+            <a:fontRef idx="minor">
+              <a:schemeClr val="lt1"/>
+            </a:fontRef>
+          </p:style>
+          <p:txBody>
+            <a:bodyPr rtlCol="0" anchor="ctr"/>
+            <a:lstStyle/>
+            <a:p>
+              <a:pPr algn="ctr"/>
+              <a:endParaRPr lang="en-DE"/>
+            </a:p>
+          </p:txBody>
+        </p:sp>
+        <p:sp>
+          <p:nvSpPr>
+            <p:cNvPr id="91" name="Cube 90">
+              <a:extLst>
+                <a:ext uri="{FF2B5EF4-FFF2-40B4-BE49-F238E27FC236}">
+                  <a16:creationId xmlns:a16="http://schemas.microsoft.com/office/drawing/2014/main" id="{A129323B-97A1-B692-BAD4-30A316D3F933}"/>
+                </a:ext>
+              </a:extLst>
+            </p:cNvPr>
+            <p:cNvSpPr/>
+            <p:nvPr/>
+          </p:nvSpPr>
+          <p:spPr>
+            <a:xfrm>
+              <a:off x="1087767" y="3251669"/>
+              <a:ext cx="370702" cy="370702"/>
+            </a:xfrm>
+            <a:prstGeom prst="cube">
+              <a:avLst/>
+            </a:prstGeom>
+            <a:grpFill/>
+          </p:spPr>
+          <p:style>
+            <a:lnRef idx="2">
+              <a:schemeClr val="accent1">
+                <a:shade val="15000"/>
+              </a:schemeClr>
+            </a:lnRef>
+            <a:fillRef idx="1">
+              <a:schemeClr val="accent1"/>
+            </a:fillRef>
+            <a:effectRef idx="0">
+              <a:schemeClr val="accent1"/>
+            </a:effectRef>
+            <a:fontRef idx="minor">
+              <a:schemeClr val="lt1"/>
+            </a:fontRef>
+          </p:style>
+          <p:txBody>
+            <a:bodyPr rtlCol="0" anchor="ctr"/>
+            <a:lstStyle/>
+            <a:p>
+              <a:pPr algn="ctr"/>
+              <a:endParaRPr lang="en-DE"/>
+            </a:p>
+          </p:txBody>
+        </p:sp>
+        <p:sp>
+          <p:nvSpPr>
+            <p:cNvPr id="92" name="Cube 91">
+              <a:extLst>
+                <a:ext uri="{FF2B5EF4-FFF2-40B4-BE49-F238E27FC236}">
+                  <a16:creationId xmlns:a16="http://schemas.microsoft.com/office/drawing/2014/main" id="{CD595EF4-C54C-C8C5-7BC9-CA4B93A721E8}"/>
+                </a:ext>
+              </a:extLst>
+            </p:cNvPr>
+            <p:cNvSpPr/>
+            <p:nvPr/>
+          </p:nvSpPr>
+          <p:spPr>
+            <a:xfrm>
+              <a:off x="1013241" y="3325113"/>
+              <a:ext cx="370702" cy="370702"/>
+            </a:xfrm>
+            <a:prstGeom prst="cube">
+              <a:avLst/>
+            </a:prstGeom>
+            <a:grpFill/>
+          </p:spPr>
+          <p:style>
+            <a:lnRef idx="2">
+              <a:schemeClr val="accent1">
+                <a:shade val="15000"/>
+              </a:schemeClr>
+            </a:lnRef>
+            <a:fillRef idx="1">
+              <a:schemeClr val="accent1"/>
+            </a:fillRef>
+            <a:effectRef idx="0">
+              <a:schemeClr val="accent1"/>
+            </a:effectRef>
+            <a:fontRef idx="minor">
+              <a:schemeClr val="lt1"/>
+            </a:fontRef>
+          </p:style>
+          <p:txBody>
+            <a:bodyPr rtlCol="0" anchor="ctr"/>
+            <a:lstStyle/>
+            <a:p>
+              <a:pPr algn="ctr"/>
+              <a:endParaRPr lang="en-DE"/>
+            </a:p>
+          </p:txBody>
+        </p:sp>
+      </p:grpSp>
+      <p:grpSp>
+        <p:nvGrpSpPr>
+          <p:cNvPr id="93" name="Group 92">
+            <a:extLst>
+              <a:ext uri="{FF2B5EF4-FFF2-40B4-BE49-F238E27FC236}">
+                <a16:creationId xmlns:a16="http://schemas.microsoft.com/office/drawing/2014/main" id="{66597B01-E101-C814-D0E4-CE46336D6154}"/>
+              </a:ext>
+            </a:extLst>
+          </p:cNvPr>
+          <p:cNvGrpSpPr/>
+          <p:nvPr/>
+        </p:nvGrpSpPr>
+        <p:grpSpPr>
+          <a:xfrm>
+            <a:off x="1157063" y="3564089"/>
+            <a:ext cx="1357441" cy="532485"/>
+            <a:chOff x="177794" y="3163330"/>
+            <a:chExt cx="1357441" cy="532485"/>
+          </a:xfrm>
+          <a:solidFill>
+            <a:schemeClr val="bg1"/>
+          </a:solidFill>
+        </p:grpSpPr>
+        <p:sp>
+          <p:nvSpPr>
+            <p:cNvPr id="94" name="Cube 93">
+              <a:extLst>
+                <a:ext uri="{FF2B5EF4-FFF2-40B4-BE49-F238E27FC236}">
+                  <a16:creationId xmlns:a16="http://schemas.microsoft.com/office/drawing/2014/main" id="{B2A1AB5D-C4D9-6049-3D53-D69086DB8EC7}"/>
+                </a:ext>
+              </a:extLst>
+            </p:cNvPr>
+            <p:cNvSpPr/>
+            <p:nvPr/>
+          </p:nvSpPr>
+          <p:spPr>
+            <a:xfrm>
+              <a:off x="344688" y="3163330"/>
+              <a:ext cx="370702" cy="370702"/>
+            </a:xfrm>
+            <a:prstGeom prst="cube">
+              <a:avLst/>
+            </a:prstGeom>
+            <a:solidFill>
+              <a:schemeClr val="bg1">
+                <a:lumMod val="50000"/>
+              </a:schemeClr>
+            </a:solidFill>
+          </p:spPr>
+          <p:style>
+            <a:lnRef idx="2">
+              <a:schemeClr val="accent4">
+                <a:shade val="15000"/>
+              </a:schemeClr>
+            </a:lnRef>
+            <a:fillRef idx="1">
+              <a:schemeClr val="accent4"/>
+            </a:fillRef>
+            <a:effectRef idx="0">
+              <a:schemeClr val="accent4"/>
+            </a:effectRef>
+            <a:fontRef idx="minor">
+              <a:schemeClr val="lt1"/>
+            </a:fontRef>
+          </p:style>
+          <p:txBody>
+            <a:bodyPr rtlCol="0" anchor="ctr"/>
+            <a:lstStyle/>
+            <a:p>
+              <a:pPr algn="ctr"/>
+              <a:endParaRPr lang="en-DE"/>
+            </a:p>
+          </p:txBody>
+        </p:sp>
+        <p:sp>
+          <p:nvSpPr>
+            <p:cNvPr id="95" name="Cube 94">
+              <a:extLst>
+                <a:ext uri="{FF2B5EF4-FFF2-40B4-BE49-F238E27FC236}">
+                  <a16:creationId xmlns:a16="http://schemas.microsoft.com/office/drawing/2014/main" id="{AAB27762-8BC6-38A0-F77F-101BC276ED3B}"/>
+                </a:ext>
+              </a:extLst>
+            </p:cNvPr>
+            <p:cNvSpPr/>
+            <p:nvPr/>
+          </p:nvSpPr>
+          <p:spPr>
+            <a:xfrm>
+              <a:off x="616535" y="3163330"/>
+              <a:ext cx="370702" cy="370702"/>
+            </a:xfrm>
+            <a:prstGeom prst="cube">
+              <a:avLst/>
+            </a:prstGeom>
+            <a:grpFill/>
+          </p:spPr>
+          <p:style>
+            <a:lnRef idx="2">
+              <a:schemeClr val="accent4">
+                <a:shade val="15000"/>
+              </a:schemeClr>
+            </a:lnRef>
+            <a:fillRef idx="1">
+              <a:schemeClr val="accent4"/>
+            </a:fillRef>
+            <a:effectRef idx="0">
+              <a:schemeClr val="accent4"/>
+            </a:effectRef>
+            <a:fontRef idx="minor">
+              <a:schemeClr val="lt1"/>
+            </a:fontRef>
+          </p:style>
+          <p:txBody>
+            <a:bodyPr rtlCol="0" anchor="ctr"/>
+            <a:lstStyle/>
+            <a:p>
+              <a:pPr algn="ctr"/>
+              <a:endParaRPr lang="en-DE"/>
+            </a:p>
+          </p:txBody>
+        </p:sp>
+        <p:sp>
+          <p:nvSpPr>
+            <p:cNvPr id="96" name="Cube 95">
+              <a:extLst>
+                <a:ext uri="{FF2B5EF4-FFF2-40B4-BE49-F238E27FC236}">
+                  <a16:creationId xmlns:a16="http://schemas.microsoft.com/office/drawing/2014/main" id="{B0F7FE1D-52DB-C9CB-D8A9-DFA2FF72EEB7}"/>
+                </a:ext>
+              </a:extLst>
+            </p:cNvPr>
+            <p:cNvSpPr/>
+            <p:nvPr/>
+          </p:nvSpPr>
+          <p:spPr>
+            <a:xfrm>
+              <a:off x="888382" y="3163330"/>
+              <a:ext cx="370702" cy="370702"/>
+            </a:xfrm>
+            <a:prstGeom prst="cube">
+              <a:avLst/>
+            </a:prstGeom>
+            <a:grpFill/>
+          </p:spPr>
+          <p:style>
+            <a:lnRef idx="2">
+              <a:schemeClr val="accent4">
+                <a:shade val="15000"/>
+              </a:schemeClr>
+            </a:lnRef>
+            <a:fillRef idx="1">
+              <a:schemeClr val="accent4"/>
+            </a:fillRef>
+            <a:effectRef idx="0">
+              <a:schemeClr val="accent4"/>
+            </a:effectRef>
+            <a:fontRef idx="minor">
+              <a:schemeClr val="lt1"/>
+            </a:fontRef>
+          </p:style>
+          <p:txBody>
+            <a:bodyPr rtlCol="0" anchor="ctr"/>
+            <a:lstStyle/>
+            <a:p>
+              <a:pPr algn="ctr"/>
+              <a:endParaRPr lang="en-DE"/>
+            </a:p>
+          </p:txBody>
+        </p:sp>
+        <p:sp>
+          <p:nvSpPr>
+            <p:cNvPr id="97" name="Cube 96">
+              <a:extLst>
+                <a:ext uri="{FF2B5EF4-FFF2-40B4-BE49-F238E27FC236}">
+                  <a16:creationId xmlns:a16="http://schemas.microsoft.com/office/drawing/2014/main" id="{CC7AE5EC-EF14-5C05-DC63-AF2F903496C8}"/>
+                </a:ext>
+              </a:extLst>
+            </p:cNvPr>
+            <p:cNvSpPr/>
+            <p:nvPr/>
+          </p:nvSpPr>
+          <p:spPr>
+            <a:xfrm>
+              <a:off x="261435" y="3243649"/>
+              <a:ext cx="370702" cy="370702"/>
+            </a:xfrm>
+            <a:prstGeom prst="cube">
+              <a:avLst/>
+            </a:prstGeom>
+            <a:grpFill/>
+          </p:spPr>
+          <p:style>
+            <a:lnRef idx="2">
+              <a:schemeClr val="accent4">
+                <a:shade val="15000"/>
+              </a:schemeClr>
+            </a:lnRef>
+            <a:fillRef idx="1">
+              <a:schemeClr val="accent4"/>
+            </a:fillRef>
+            <a:effectRef idx="0">
+              <a:schemeClr val="accent4"/>
+            </a:effectRef>
+            <a:fontRef idx="minor">
+              <a:schemeClr val="lt1"/>
+            </a:fontRef>
+          </p:style>
+          <p:txBody>
+            <a:bodyPr rtlCol="0" anchor="ctr"/>
+            <a:lstStyle/>
+            <a:p>
+              <a:pPr algn="ctr"/>
+              <a:endParaRPr lang="en-DE"/>
+            </a:p>
+          </p:txBody>
+        </p:sp>
+        <p:sp>
+          <p:nvSpPr>
+            <p:cNvPr id="98" name="Cube 97">
+              <a:extLst>
+                <a:ext uri="{FF2B5EF4-FFF2-40B4-BE49-F238E27FC236}">
+                  <a16:creationId xmlns:a16="http://schemas.microsoft.com/office/drawing/2014/main" id="{5892BECC-5281-D056-F146-64503E586805}"/>
+                </a:ext>
+              </a:extLst>
+            </p:cNvPr>
+            <p:cNvSpPr/>
+            <p:nvPr/>
+          </p:nvSpPr>
+          <p:spPr>
+            <a:xfrm>
+              <a:off x="533282" y="3243649"/>
+              <a:ext cx="370702" cy="370702"/>
+            </a:xfrm>
+            <a:prstGeom prst="cube">
+              <a:avLst/>
+            </a:prstGeom>
+            <a:grpFill/>
+          </p:spPr>
+          <p:style>
+            <a:lnRef idx="2">
+              <a:schemeClr val="accent4">
+                <a:shade val="15000"/>
+              </a:schemeClr>
+            </a:lnRef>
+            <a:fillRef idx="1">
+              <a:schemeClr val="accent4"/>
+            </a:fillRef>
+            <a:effectRef idx="0">
+              <a:schemeClr val="accent4"/>
+            </a:effectRef>
+            <a:fontRef idx="minor">
+              <a:schemeClr val="lt1"/>
+            </a:fontRef>
+          </p:style>
+          <p:txBody>
+            <a:bodyPr rtlCol="0" anchor="ctr"/>
+            <a:lstStyle/>
+            <a:p>
+              <a:pPr algn="ctr"/>
+              <a:endParaRPr lang="en-DE"/>
+            </a:p>
+          </p:txBody>
+        </p:sp>
+        <p:sp>
+          <p:nvSpPr>
+            <p:cNvPr id="99" name="Cube 98">
+              <a:extLst>
+                <a:ext uri="{FF2B5EF4-FFF2-40B4-BE49-F238E27FC236}">
+                  <a16:creationId xmlns:a16="http://schemas.microsoft.com/office/drawing/2014/main" id="{B5B064E6-82AF-C7B1-EAD9-026665B7E75A}"/>
+                </a:ext>
+              </a:extLst>
+            </p:cNvPr>
+            <p:cNvSpPr/>
+            <p:nvPr/>
+          </p:nvSpPr>
+          <p:spPr>
+            <a:xfrm>
+              <a:off x="811616" y="3243649"/>
+              <a:ext cx="370702" cy="370702"/>
+            </a:xfrm>
+            <a:prstGeom prst="cube">
+              <a:avLst/>
+            </a:prstGeom>
+            <a:solidFill>
+              <a:schemeClr val="bg1">
+                <a:lumMod val="65000"/>
+              </a:schemeClr>
+            </a:solidFill>
+          </p:spPr>
+          <p:style>
+            <a:lnRef idx="2">
+              <a:schemeClr val="accent4">
+                <a:shade val="15000"/>
+              </a:schemeClr>
+            </a:lnRef>
+            <a:fillRef idx="1">
+              <a:schemeClr val="accent4"/>
+            </a:fillRef>
+            <a:effectRef idx="0">
+              <a:schemeClr val="accent4"/>
+            </a:effectRef>
+            <a:fontRef idx="minor">
+              <a:schemeClr val="lt1"/>
+            </a:fontRef>
+          </p:style>
+          <p:txBody>
+            <a:bodyPr rtlCol="0" anchor="ctr"/>
+            <a:lstStyle/>
+            <a:p>
+              <a:pPr algn="ctr"/>
+              <a:endParaRPr lang="en-DE"/>
+            </a:p>
+          </p:txBody>
+        </p:sp>
+        <p:sp>
+          <p:nvSpPr>
+            <p:cNvPr id="100" name="Cube 99">
+              <a:extLst>
+                <a:ext uri="{FF2B5EF4-FFF2-40B4-BE49-F238E27FC236}">
+                  <a16:creationId xmlns:a16="http://schemas.microsoft.com/office/drawing/2014/main" id="{3206822C-04E4-783C-AC03-8FF9135CDD96}"/>
+                </a:ext>
+              </a:extLst>
+            </p:cNvPr>
+            <p:cNvSpPr/>
+            <p:nvPr/>
+          </p:nvSpPr>
+          <p:spPr>
+            <a:xfrm>
+              <a:off x="177794" y="3323968"/>
+              <a:ext cx="370702" cy="370702"/>
+            </a:xfrm>
+            <a:prstGeom prst="cube">
+              <a:avLst/>
+            </a:prstGeom>
+            <a:grpFill/>
+          </p:spPr>
+          <p:style>
+            <a:lnRef idx="2">
+              <a:schemeClr val="accent4">
+                <a:shade val="15000"/>
+              </a:schemeClr>
+            </a:lnRef>
+            <a:fillRef idx="1">
+              <a:schemeClr val="accent4"/>
+            </a:fillRef>
+            <a:effectRef idx="0">
+              <a:schemeClr val="accent4"/>
+            </a:effectRef>
+            <a:fontRef idx="minor">
+              <a:schemeClr val="lt1"/>
+            </a:fontRef>
+          </p:style>
+          <p:txBody>
+            <a:bodyPr rtlCol="0" anchor="ctr"/>
+            <a:lstStyle/>
+            <a:p>
+              <a:pPr algn="ctr"/>
+              <a:endParaRPr lang="en-DE"/>
+            </a:p>
+          </p:txBody>
+        </p:sp>
+        <p:sp>
+          <p:nvSpPr>
+            <p:cNvPr id="101" name="Cube 100">
+              <a:extLst>
+                <a:ext uri="{FF2B5EF4-FFF2-40B4-BE49-F238E27FC236}">
+                  <a16:creationId xmlns:a16="http://schemas.microsoft.com/office/drawing/2014/main" id="{1BCB1684-9DD7-2562-C7F4-07961C672694}"/>
+                </a:ext>
+              </a:extLst>
+            </p:cNvPr>
+            <p:cNvSpPr/>
+            <p:nvPr/>
+          </p:nvSpPr>
+          <p:spPr>
+            <a:xfrm>
+              <a:off x="458368" y="3323968"/>
+              <a:ext cx="370702" cy="370702"/>
+            </a:xfrm>
+            <a:prstGeom prst="cube">
+              <a:avLst/>
+            </a:prstGeom>
+            <a:grpFill/>
+          </p:spPr>
+          <p:style>
+            <a:lnRef idx="2">
+              <a:schemeClr val="accent4">
+                <a:shade val="15000"/>
+              </a:schemeClr>
+            </a:lnRef>
+            <a:fillRef idx="1">
+              <a:schemeClr val="accent4"/>
+            </a:fillRef>
+            <a:effectRef idx="0">
+              <a:schemeClr val="accent4"/>
+            </a:effectRef>
+            <a:fontRef idx="minor">
+              <a:schemeClr val="lt1"/>
+            </a:fontRef>
+          </p:style>
+          <p:txBody>
+            <a:bodyPr rtlCol="0" anchor="ctr"/>
+            <a:lstStyle/>
+            <a:p>
+              <a:pPr algn="ctr"/>
+              <a:endParaRPr lang="en-DE"/>
+            </a:p>
+          </p:txBody>
+        </p:sp>
+        <p:sp>
+          <p:nvSpPr>
+            <p:cNvPr id="102" name="Cube 101">
+              <a:extLst>
+                <a:ext uri="{FF2B5EF4-FFF2-40B4-BE49-F238E27FC236}">
+                  <a16:creationId xmlns:a16="http://schemas.microsoft.com/office/drawing/2014/main" id="{96C72CA5-B304-59C7-0519-4388C5A9D158}"/>
+                </a:ext>
+              </a:extLst>
+            </p:cNvPr>
+            <p:cNvSpPr/>
+            <p:nvPr/>
+          </p:nvSpPr>
+          <p:spPr>
+            <a:xfrm>
+              <a:off x="737090" y="3323968"/>
+              <a:ext cx="370702" cy="370702"/>
+            </a:xfrm>
+            <a:prstGeom prst="cube">
+              <a:avLst/>
+            </a:prstGeom>
+            <a:grpFill/>
+          </p:spPr>
+          <p:style>
+            <a:lnRef idx="2">
+              <a:schemeClr val="accent4">
+                <a:shade val="15000"/>
+              </a:schemeClr>
+            </a:lnRef>
+            <a:fillRef idx="1">
+              <a:schemeClr val="accent4"/>
+            </a:fillRef>
+            <a:effectRef idx="0">
+              <a:schemeClr val="accent4"/>
+            </a:effectRef>
+            <a:fontRef idx="minor">
+              <a:schemeClr val="lt1"/>
+            </a:fontRef>
+          </p:style>
+          <p:txBody>
+            <a:bodyPr rtlCol="0" anchor="ctr"/>
+            <a:lstStyle/>
+            <a:p>
+              <a:pPr algn="ctr"/>
+              <a:endParaRPr lang="en-DE"/>
+            </a:p>
+          </p:txBody>
+        </p:sp>
+        <p:sp>
+          <p:nvSpPr>
+            <p:cNvPr id="103" name="Cube 102">
+              <a:extLst>
+                <a:ext uri="{FF2B5EF4-FFF2-40B4-BE49-F238E27FC236}">
+                  <a16:creationId xmlns:a16="http://schemas.microsoft.com/office/drawing/2014/main" id="{57BCCA14-0C71-BDDF-CB89-BE89749A1BD2}"/>
+                </a:ext>
+              </a:extLst>
+            </p:cNvPr>
+            <p:cNvSpPr/>
+            <p:nvPr/>
+          </p:nvSpPr>
+          <p:spPr>
+            <a:xfrm>
+              <a:off x="1164533" y="3164475"/>
+              <a:ext cx="370702" cy="370702"/>
+            </a:xfrm>
+            <a:prstGeom prst="cube">
+              <a:avLst/>
+            </a:prstGeom>
+            <a:grpFill/>
+          </p:spPr>
+          <p:style>
+            <a:lnRef idx="2">
+              <a:schemeClr val="accent4">
+                <a:shade val="15000"/>
+              </a:schemeClr>
+            </a:lnRef>
+            <a:fillRef idx="1">
+              <a:schemeClr val="accent4"/>
+            </a:fillRef>
+            <a:effectRef idx="0">
+              <a:schemeClr val="accent4"/>
+            </a:effectRef>
+            <a:fontRef idx="minor">
+              <a:schemeClr val="lt1"/>
+            </a:fontRef>
+          </p:style>
+          <p:txBody>
+            <a:bodyPr rtlCol="0" anchor="ctr"/>
+            <a:lstStyle/>
+            <a:p>
+              <a:pPr algn="ctr"/>
+              <a:endParaRPr lang="en-DE"/>
+            </a:p>
+          </p:txBody>
+        </p:sp>
+        <p:sp>
+          <p:nvSpPr>
+            <p:cNvPr id="104" name="Cube 103">
+              <a:extLst>
+                <a:ext uri="{FF2B5EF4-FFF2-40B4-BE49-F238E27FC236}">
+                  <a16:creationId xmlns:a16="http://schemas.microsoft.com/office/drawing/2014/main" id="{0914B1AC-CB1C-6916-8AE2-5FE5491F9EF9}"/>
+                </a:ext>
+              </a:extLst>
+            </p:cNvPr>
+            <p:cNvSpPr/>
+            <p:nvPr/>
+          </p:nvSpPr>
+          <p:spPr>
+            <a:xfrm>
+              <a:off x="1087767" y="3251669"/>
+              <a:ext cx="370702" cy="370702"/>
+            </a:xfrm>
+            <a:prstGeom prst="cube">
+              <a:avLst/>
+            </a:prstGeom>
+            <a:grpFill/>
+          </p:spPr>
+          <p:style>
+            <a:lnRef idx="2">
+              <a:schemeClr val="accent4">
+                <a:shade val="15000"/>
+              </a:schemeClr>
+            </a:lnRef>
+            <a:fillRef idx="1">
+              <a:schemeClr val="accent4"/>
+            </a:fillRef>
+            <a:effectRef idx="0">
+              <a:schemeClr val="accent4"/>
+            </a:effectRef>
+            <a:fontRef idx="minor">
+              <a:schemeClr val="lt1"/>
+            </a:fontRef>
+          </p:style>
+          <p:txBody>
+            <a:bodyPr rtlCol="0" anchor="ctr"/>
+            <a:lstStyle/>
+            <a:p>
+              <a:pPr algn="ctr"/>
+              <a:endParaRPr lang="en-DE"/>
+            </a:p>
+          </p:txBody>
+        </p:sp>
+        <p:sp>
+          <p:nvSpPr>
+            <p:cNvPr id="105" name="Cube 104">
+              <a:extLst>
+                <a:ext uri="{FF2B5EF4-FFF2-40B4-BE49-F238E27FC236}">
+                  <a16:creationId xmlns:a16="http://schemas.microsoft.com/office/drawing/2014/main" id="{027AD566-80D6-A859-72D0-E54EC7E8E767}"/>
+                </a:ext>
+              </a:extLst>
+            </p:cNvPr>
+            <p:cNvSpPr/>
+            <p:nvPr/>
+          </p:nvSpPr>
+          <p:spPr>
+            <a:xfrm>
+              <a:off x="1013241" y="3325113"/>
+              <a:ext cx="370702" cy="370702"/>
+            </a:xfrm>
+            <a:prstGeom prst="cube">
+              <a:avLst/>
+            </a:prstGeom>
+            <a:grpFill/>
+          </p:spPr>
+          <p:style>
+            <a:lnRef idx="2">
+              <a:schemeClr val="accent4">
+                <a:shade val="15000"/>
+              </a:schemeClr>
+            </a:lnRef>
+            <a:fillRef idx="1">
+              <a:schemeClr val="accent4"/>
+            </a:fillRef>
+            <a:effectRef idx="0">
+              <a:schemeClr val="accent4"/>
+            </a:effectRef>
+            <a:fontRef idx="minor">
+              <a:schemeClr val="lt1"/>
+            </a:fontRef>
+          </p:style>
+          <p:txBody>
+            <a:bodyPr rtlCol="0" anchor="ctr"/>
+            <a:lstStyle/>
+            <a:p>
+              <a:pPr algn="ctr"/>
+              <a:endParaRPr lang="en-DE"/>
+            </a:p>
+          </p:txBody>
+        </p:sp>
+      </p:grpSp>
+      <p:grpSp>
+        <p:nvGrpSpPr>
+          <p:cNvPr id="118" name="Group 117">
+            <a:extLst>
+              <a:ext uri="{FF2B5EF4-FFF2-40B4-BE49-F238E27FC236}">
+                <a16:creationId xmlns:a16="http://schemas.microsoft.com/office/drawing/2014/main" id="{50EC6309-037F-72D3-16F0-8393FFFE47D7}"/>
+              </a:ext>
+            </a:extLst>
+          </p:cNvPr>
+          <p:cNvGrpSpPr/>
+          <p:nvPr/>
+        </p:nvGrpSpPr>
+        <p:grpSpPr>
+          <a:xfrm>
+            <a:off x="1175929" y="1356626"/>
+            <a:ext cx="1125253" cy="870582"/>
+            <a:chOff x="288758" y="1473802"/>
+            <a:chExt cx="968826" cy="749558"/>
+          </a:xfrm>
+        </p:grpSpPr>
+        <p:sp>
+          <p:nvSpPr>
+            <p:cNvPr id="106" name="Rectangle 105">
+              <a:extLst>
+                <a:ext uri="{FF2B5EF4-FFF2-40B4-BE49-F238E27FC236}">
+                  <a16:creationId xmlns:a16="http://schemas.microsoft.com/office/drawing/2014/main" id="{42D35C9C-C015-8075-E659-A9BEB96DEAB7}"/>
+                </a:ext>
+              </a:extLst>
+            </p:cNvPr>
+            <p:cNvSpPr/>
+            <p:nvPr/>
+          </p:nvSpPr>
+          <p:spPr>
+            <a:xfrm>
+              <a:off x="288758" y="1473802"/>
+              <a:ext cx="241560" cy="247507"/>
+            </a:xfrm>
+            <a:prstGeom prst="rect">
+              <a:avLst/>
+            </a:prstGeom>
+            <a:solidFill>
+              <a:schemeClr val="bg1"/>
+            </a:solidFill>
+          </p:spPr>
+          <p:style>
+            <a:lnRef idx="2">
+              <a:schemeClr val="accent1">
+                <a:shade val="15000"/>
+              </a:schemeClr>
+            </a:lnRef>
+            <a:fillRef idx="1">
+              <a:schemeClr val="accent1"/>
+            </a:fillRef>
+            <a:effectRef idx="0">
+              <a:schemeClr val="accent1"/>
+            </a:effectRef>
+            <a:fontRef idx="minor">
+              <a:schemeClr val="lt1"/>
+            </a:fontRef>
+          </p:style>
+          <p:txBody>
+            <a:bodyPr rtlCol="0" anchor="ctr"/>
+            <a:lstStyle/>
+            <a:p>
+              <a:pPr algn="ctr"/>
+              <a:endParaRPr lang="en-DE"/>
+            </a:p>
+          </p:txBody>
+        </p:sp>
+        <p:sp>
+          <p:nvSpPr>
+            <p:cNvPr id="107" name="Rectangle 106">
+              <a:extLst>
+                <a:ext uri="{FF2B5EF4-FFF2-40B4-BE49-F238E27FC236}">
+                  <a16:creationId xmlns:a16="http://schemas.microsoft.com/office/drawing/2014/main" id="{C4EB93BD-65A5-074F-B644-FF1F10F30C79}"/>
+                </a:ext>
+              </a:extLst>
+            </p:cNvPr>
+            <p:cNvSpPr/>
+            <p:nvPr/>
+          </p:nvSpPr>
+          <p:spPr>
+            <a:xfrm>
+              <a:off x="531611" y="1473802"/>
+              <a:ext cx="241560" cy="247507"/>
+            </a:xfrm>
+            <a:prstGeom prst="rect">
+              <a:avLst/>
+            </a:prstGeom>
+            <a:solidFill>
+              <a:schemeClr val="bg1">
+                <a:lumMod val="75000"/>
+              </a:schemeClr>
+            </a:solidFill>
+          </p:spPr>
+          <p:style>
+            <a:lnRef idx="2">
+              <a:schemeClr val="accent1">
+                <a:shade val="15000"/>
+              </a:schemeClr>
+            </a:lnRef>
+            <a:fillRef idx="1">
+              <a:schemeClr val="accent1"/>
+            </a:fillRef>
+            <a:effectRef idx="0">
+              <a:schemeClr val="accent1"/>
+            </a:effectRef>
+            <a:fontRef idx="minor">
+              <a:schemeClr val="lt1"/>
+            </a:fontRef>
+          </p:style>
+          <p:txBody>
+            <a:bodyPr rtlCol="0" anchor="ctr"/>
+            <a:lstStyle/>
+            <a:p>
+              <a:pPr algn="ctr"/>
+              <a:endParaRPr lang="en-DE"/>
+            </a:p>
+          </p:txBody>
+        </p:sp>
+        <p:sp>
+          <p:nvSpPr>
+            <p:cNvPr id="108" name="Rectangle 107">
+              <a:extLst>
+                <a:ext uri="{FF2B5EF4-FFF2-40B4-BE49-F238E27FC236}">
+                  <a16:creationId xmlns:a16="http://schemas.microsoft.com/office/drawing/2014/main" id="{7A43E1F3-7AA6-0FBD-BDFB-B974DD89C92A}"/>
+                </a:ext>
+              </a:extLst>
+            </p:cNvPr>
+            <p:cNvSpPr/>
+            <p:nvPr/>
+          </p:nvSpPr>
+          <p:spPr>
+            <a:xfrm>
+              <a:off x="774464" y="1473802"/>
+              <a:ext cx="241560" cy="247507"/>
+            </a:xfrm>
+            <a:prstGeom prst="rect">
+              <a:avLst/>
+            </a:prstGeom>
+            <a:solidFill>
+              <a:schemeClr val="bg1"/>
+            </a:solidFill>
+          </p:spPr>
+          <p:style>
+            <a:lnRef idx="2">
+              <a:schemeClr val="accent1">
+                <a:shade val="15000"/>
+              </a:schemeClr>
+            </a:lnRef>
+            <a:fillRef idx="1">
+              <a:schemeClr val="accent1"/>
+            </a:fillRef>
+            <a:effectRef idx="0">
+              <a:schemeClr val="accent1"/>
+            </a:effectRef>
+            <a:fontRef idx="minor">
+              <a:schemeClr val="lt1"/>
+            </a:fontRef>
+          </p:style>
+          <p:txBody>
+            <a:bodyPr rtlCol="0" anchor="ctr"/>
+            <a:lstStyle/>
+            <a:p>
+              <a:pPr algn="ctr"/>
+              <a:endParaRPr lang="en-DE"/>
+            </a:p>
+          </p:txBody>
+        </p:sp>
+        <p:sp>
+          <p:nvSpPr>
+            <p:cNvPr id="109" name="Rectangle 108">
+              <a:extLst>
+                <a:ext uri="{FF2B5EF4-FFF2-40B4-BE49-F238E27FC236}">
+                  <a16:creationId xmlns:a16="http://schemas.microsoft.com/office/drawing/2014/main" id="{843B0407-E657-E8C1-11B3-F849F13FE670}"/>
+                </a:ext>
+              </a:extLst>
+            </p:cNvPr>
+            <p:cNvSpPr/>
+            <p:nvPr/>
+          </p:nvSpPr>
+          <p:spPr>
+            <a:xfrm>
+              <a:off x="1016024" y="1473802"/>
+              <a:ext cx="241560" cy="247507"/>
+            </a:xfrm>
+            <a:prstGeom prst="rect">
+              <a:avLst/>
+            </a:prstGeom>
+            <a:solidFill>
+              <a:schemeClr val="bg1"/>
+            </a:solidFill>
+          </p:spPr>
+          <p:style>
+            <a:lnRef idx="2">
+              <a:schemeClr val="accent1">
+                <a:shade val="15000"/>
+              </a:schemeClr>
+            </a:lnRef>
+            <a:fillRef idx="1">
+              <a:schemeClr val="accent1"/>
+            </a:fillRef>
+            <a:effectRef idx="0">
+              <a:schemeClr val="accent1"/>
+            </a:effectRef>
+            <a:fontRef idx="minor">
+              <a:schemeClr val="lt1"/>
+            </a:fontRef>
+          </p:style>
+          <p:txBody>
+            <a:bodyPr rtlCol="0" anchor="ctr"/>
+            <a:lstStyle/>
+            <a:p>
+              <a:pPr algn="ctr"/>
+              <a:endParaRPr lang="en-DE"/>
+            </a:p>
+          </p:txBody>
+        </p:sp>
+        <p:sp>
+          <p:nvSpPr>
+            <p:cNvPr id="110" name="Rectangle 109">
+              <a:extLst>
+                <a:ext uri="{FF2B5EF4-FFF2-40B4-BE49-F238E27FC236}">
+                  <a16:creationId xmlns:a16="http://schemas.microsoft.com/office/drawing/2014/main" id="{8FFABF46-4831-079A-068B-E9D11ED88C6D}"/>
+                </a:ext>
+              </a:extLst>
+            </p:cNvPr>
+            <p:cNvSpPr/>
+            <p:nvPr/>
+          </p:nvSpPr>
+          <p:spPr>
+            <a:xfrm>
+              <a:off x="288758" y="1728346"/>
+              <a:ext cx="241560" cy="247507"/>
+            </a:xfrm>
+            <a:prstGeom prst="rect">
+              <a:avLst/>
+            </a:prstGeom>
+            <a:solidFill>
+              <a:schemeClr val="bg1"/>
+            </a:solidFill>
+          </p:spPr>
+          <p:style>
+            <a:lnRef idx="2">
+              <a:schemeClr val="accent1">
+                <a:shade val="15000"/>
+              </a:schemeClr>
+            </a:lnRef>
+            <a:fillRef idx="1">
+              <a:schemeClr val="accent1"/>
+            </a:fillRef>
+            <a:effectRef idx="0">
+              <a:schemeClr val="accent1"/>
+            </a:effectRef>
+            <a:fontRef idx="minor">
+              <a:schemeClr val="lt1"/>
+            </a:fontRef>
+          </p:style>
+          <p:txBody>
+            <a:bodyPr rtlCol="0" anchor="ctr"/>
+            <a:lstStyle/>
+            <a:p>
+              <a:pPr algn="ctr"/>
+              <a:endParaRPr lang="en-DE"/>
+            </a:p>
+          </p:txBody>
+        </p:sp>
+        <p:sp>
+          <p:nvSpPr>
+            <p:cNvPr id="111" name="Rectangle 110">
+              <a:extLst>
+                <a:ext uri="{FF2B5EF4-FFF2-40B4-BE49-F238E27FC236}">
+                  <a16:creationId xmlns:a16="http://schemas.microsoft.com/office/drawing/2014/main" id="{4439A069-1EEC-7D64-1E00-E70C1AFF2837}"/>
+                </a:ext>
+              </a:extLst>
+            </p:cNvPr>
+            <p:cNvSpPr/>
+            <p:nvPr/>
+          </p:nvSpPr>
+          <p:spPr>
+            <a:xfrm>
+              <a:off x="531611" y="1728346"/>
+              <a:ext cx="241560" cy="247507"/>
+            </a:xfrm>
+            <a:prstGeom prst="rect">
+              <a:avLst/>
+            </a:prstGeom>
+            <a:solidFill>
+              <a:schemeClr val="bg1"/>
+            </a:solidFill>
+          </p:spPr>
+          <p:style>
+            <a:lnRef idx="2">
+              <a:schemeClr val="accent1">
+                <a:shade val="15000"/>
+              </a:schemeClr>
+            </a:lnRef>
+            <a:fillRef idx="1">
+              <a:schemeClr val="accent1"/>
+            </a:fillRef>
+            <a:effectRef idx="0">
+              <a:schemeClr val="accent1"/>
+            </a:effectRef>
+            <a:fontRef idx="minor">
+              <a:schemeClr val="lt1"/>
+            </a:fontRef>
+          </p:style>
+          <p:txBody>
+            <a:bodyPr rtlCol="0" anchor="ctr"/>
+            <a:lstStyle/>
+            <a:p>
+              <a:pPr algn="ctr"/>
+              <a:endParaRPr lang="en-DE"/>
+            </a:p>
+          </p:txBody>
+        </p:sp>
+        <p:sp>
+          <p:nvSpPr>
+            <p:cNvPr id="112" name="Rectangle 111">
+              <a:extLst>
+                <a:ext uri="{FF2B5EF4-FFF2-40B4-BE49-F238E27FC236}">
+                  <a16:creationId xmlns:a16="http://schemas.microsoft.com/office/drawing/2014/main" id="{DCA09095-1852-ACAC-A948-9F7EC5F384CD}"/>
+                </a:ext>
+              </a:extLst>
+            </p:cNvPr>
+            <p:cNvSpPr/>
+            <p:nvPr/>
+          </p:nvSpPr>
+          <p:spPr>
+            <a:xfrm>
+              <a:off x="774464" y="1728346"/>
+              <a:ext cx="241560" cy="247507"/>
+            </a:xfrm>
+            <a:prstGeom prst="rect">
+              <a:avLst/>
+            </a:prstGeom>
+            <a:solidFill>
+              <a:schemeClr val="tx1">
+                <a:lumMod val="65000"/>
+                <a:lumOff val="35000"/>
+              </a:schemeClr>
+            </a:solidFill>
+          </p:spPr>
+          <p:style>
+            <a:lnRef idx="2">
+              <a:schemeClr val="accent1">
+                <a:shade val="15000"/>
+              </a:schemeClr>
+            </a:lnRef>
+            <a:fillRef idx="1">
+              <a:schemeClr val="accent1"/>
+            </a:fillRef>
+            <a:effectRef idx="0">
+              <a:schemeClr val="accent1"/>
+            </a:effectRef>
+            <a:fontRef idx="minor">
+              <a:schemeClr val="lt1"/>
+            </a:fontRef>
+          </p:style>
+          <p:txBody>
+            <a:bodyPr rtlCol="0" anchor="ctr"/>
+            <a:lstStyle/>
+            <a:p>
+              <a:pPr algn="ctr"/>
+              <a:endParaRPr lang="en-DE"/>
+            </a:p>
+          </p:txBody>
+        </p:sp>
+        <p:sp>
+          <p:nvSpPr>
+            <p:cNvPr id="113" name="Rectangle 112">
+              <a:extLst>
+                <a:ext uri="{FF2B5EF4-FFF2-40B4-BE49-F238E27FC236}">
+                  <a16:creationId xmlns:a16="http://schemas.microsoft.com/office/drawing/2014/main" id="{4B280FD6-BF40-05D9-4502-CA3A6904C205}"/>
+                </a:ext>
+              </a:extLst>
+            </p:cNvPr>
+            <p:cNvSpPr/>
+            <p:nvPr/>
+          </p:nvSpPr>
+          <p:spPr>
+            <a:xfrm>
+              <a:off x="1016024" y="1728346"/>
+              <a:ext cx="241560" cy="247507"/>
+            </a:xfrm>
+            <a:prstGeom prst="rect">
+              <a:avLst/>
+            </a:prstGeom>
+            <a:solidFill>
+              <a:schemeClr val="bg1"/>
+            </a:solidFill>
+          </p:spPr>
+          <p:style>
+            <a:lnRef idx="2">
+              <a:schemeClr val="accent1">
+                <a:shade val="15000"/>
+              </a:schemeClr>
+            </a:lnRef>
+            <a:fillRef idx="1">
+              <a:schemeClr val="accent1"/>
+            </a:fillRef>
+            <a:effectRef idx="0">
+              <a:schemeClr val="accent1"/>
+            </a:effectRef>
+            <a:fontRef idx="minor">
+              <a:schemeClr val="lt1"/>
+            </a:fontRef>
+          </p:style>
+          <p:txBody>
+            <a:bodyPr rtlCol="0" anchor="ctr"/>
+            <a:lstStyle/>
+            <a:p>
+              <a:pPr algn="ctr"/>
+              <a:endParaRPr lang="en-DE"/>
+            </a:p>
+          </p:txBody>
+        </p:sp>
+        <p:sp>
+          <p:nvSpPr>
+            <p:cNvPr id="114" name="Rectangle 113">
+              <a:extLst>
+                <a:ext uri="{FF2B5EF4-FFF2-40B4-BE49-F238E27FC236}">
+                  <a16:creationId xmlns:a16="http://schemas.microsoft.com/office/drawing/2014/main" id="{385AF1A6-AED9-2C60-BC7A-ED533744FB29}"/>
+                </a:ext>
+              </a:extLst>
+            </p:cNvPr>
+            <p:cNvSpPr/>
+            <p:nvPr/>
+          </p:nvSpPr>
+          <p:spPr>
+            <a:xfrm>
+              <a:off x="288758" y="1975853"/>
+              <a:ext cx="241560" cy="247507"/>
+            </a:xfrm>
+            <a:prstGeom prst="rect">
+              <a:avLst/>
+            </a:prstGeom>
+            <a:solidFill>
+              <a:schemeClr val="bg1">
+                <a:lumMod val="75000"/>
+              </a:schemeClr>
+            </a:solidFill>
+          </p:spPr>
+          <p:style>
+            <a:lnRef idx="2">
+              <a:schemeClr val="accent1">
+                <a:shade val="15000"/>
+              </a:schemeClr>
+            </a:lnRef>
+            <a:fillRef idx="1">
+              <a:schemeClr val="accent1"/>
+            </a:fillRef>
+            <a:effectRef idx="0">
+              <a:schemeClr val="accent1"/>
+            </a:effectRef>
+            <a:fontRef idx="minor">
+              <a:schemeClr val="lt1"/>
+            </a:fontRef>
+          </p:style>
+          <p:txBody>
+            <a:bodyPr rtlCol="0" anchor="ctr"/>
+            <a:lstStyle/>
+            <a:p>
+              <a:pPr algn="ctr"/>
+              <a:endParaRPr lang="en-DE"/>
+            </a:p>
+          </p:txBody>
+        </p:sp>
+        <p:sp>
+          <p:nvSpPr>
+            <p:cNvPr id="115" name="Rectangle 114">
+              <a:extLst>
+                <a:ext uri="{FF2B5EF4-FFF2-40B4-BE49-F238E27FC236}">
+                  <a16:creationId xmlns:a16="http://schemas.microsoft.com/office/drawing/2014/main" id="{5AC770B1-AE36-CD34-C13F-4F5BC339E74A}"/>
+                </a:ext>
+              </a:extLst>
+            </p:cNvPr>
+            <p:cNvSpPr/>
+            <p:nvPr/>
+          </p:nvSpPr>
+          <p:spPr>
+            <a:xfrm>
+              <a:off x="531611" y="1975853"/>
+              <a:ext cx="241560" cy="247507"/>
+            </a:xfrm>
+            <a:prstGeom prst="rect">
+              <a:avLst/>
+            </a:prstGeom>
+            <a:solidFill>
+              <a:schemeClr val="bg1"/>
+            </a:solidFill>
+          </p:spPr>
+          <p:style>
+            <a:lnRef idx="2">
+              <a:schemeClr val="accent1">
+                <a:shade val="15000"/>
+              </a:schemeClr>
+            </a:lnRef>
+            <a:fillRef idx="1">
+              <a:schemeClr val="accent1"/>
+            </a:fillRef>
+            <a:effectRef idx="0">
+              <a:schemeClr val="accent1"/>
+            </a:effectRef>
+            <a:fontRef idx="minor">
+              <a:schemeClr val="lt1"/>
+            </a:fontRef>
+          </p:style>
+          <p:txBody>
+            <a:bodyPr rtlCol="0" anchor="ctr"/>
+            <a:lstStyle/>
+            <a:p>
+              <a:pPr algn="ctr"/>
+              <a:endParaRPr lang="en-DE"/>
+            </a:p>
+          </p:txBody>
+        </p:sp>
+        <p:sp>
+          <p:nvSpPr>
+            <p:cNvPr id="116" name="Rectangle 115">
+              <a:extLst>
+                <a:ext uri="{FF2B5EF4-FFF2-40B4-BE49-F238E27FC236}">
+                  <a16:creationId xmlns:a16="http://schemas.microsoft.com/office/drawing/2014/main" id="{411AA053-4387-5BD5-6A8F-09545C419482}"/>
+                </a:ext>
+              </a:extLst>
+            </p:cNvPr>
+            <p:cNvSpPr/>
+            <p:nvPr/>
+          </p:nvSpPr>
+          <p:spPr>
+            <a:xfrm>
+              <a:off x="774464" y="1975853"/>
+              <a:ext cx="241560" cy="247507"/>
+            </a:xfrm>
+            <a:prstGeom prst="rect">
+              <a:avLst/>
+            </a:prstGeom>
+            <a:solidFill>
+              <a:schemeClr val="bg1"/>
+            </a:solidFill>
+          </p:spPr>
+          <p:style>
+            <a:lnRef idx="2">
+              <a:schemeClr val="accent1">
+                <a:shade val="15000"/>
+              </a:schemeClr>
+            </a:lnRef>
+            <a:fillRef idx="1">
+              <a:schemeClr val="accent1"/>
+            </a:fillRef>
+            <a:effectRef idx="0">
+              <a:schemeClr val="accent1"/>
+            </a:effectRef>
+            <a:fontRef idx="minor">
+              <a:schemeClr val="lt1"/>
+            </a:fontRef>
+          </p:style>
+          <p:txBody>
+            <a:bodyPr rtlCol="0" anchor="ctr"/>
+            <a:lstStyle/>
+            <a:p>
+              <a:pPr algn="ctr"/>
+              <a:endParaRPr lang="en-DE"/>
+            </a:p>
+          </p:txBody>
+        </p:sp>
+        <p:sp>
+          <p:nvSpPr>
+            <p:cNvPr id="117" name="Rectangle 116">
+              <a:extLst>
+                <a:ext uri="{FF2B5EF4-FFF2-40B4-BE49-F238E27FC236}">
+                  <a16:creationId xmlns:a16="http://schemas.microsoft.com/office/drawing/2014/main" id="{0C733731-F9A9-882D-6D2F-65442355F2E2}"/>
+                </a:ext>
+              </a:extLst>
+            </p:cNvPr>
+            <p:cNvSpPr/>
+            <p:nvPr/>
+          </p:nvSpPr>
+          <p:spPr>
+            <a:xfrm>
+              <a:off x="1016024" y="1975853"/>
+              <a:ext cx="241560" cy="247507"/>
+            </a:xfrm>
+            <a:prstGeom prst="rect">
+              <a:avLst/>
+            </a:prstGeom>
+            <a:solidFill>
+              <a:schemeClr val="bg2">
+                <a:lumMod val="50000"/>
+              </a:schemeClr>
+            </a:solidFill>
+          </p:spPr>
+          <p:style>
+            <a:lnRef idx="2">
+              <a:schemeClr val="accent1">
+                <a:shade val="15000"/>
+              </a:schemeClr>
+            </a:lnRef>
+            <a:fillRef idx="1">
+              <a:schemeClr val="accent1"/>
+            </a:fillRef>
+            <a:effectRef idx="0">
+              <a:schemeClr val="accent1"/>
+            </a:effectRef>
+            <a:fontRef idx="minor">
+              <a:schemeClr val="lt1"/>
+            </a:fontRef>
+          </p:style>
+          <p:txBody>
+            <a:bodyPr rtlCol="0" anchor="ctr"/>
+            <a:lstStyle/>
+            <a:p>
+              <a:pPr algn="ctr"/>
+              <a:endParaRPr lang="en-DE"/>
+            </a:p>
+          </p:txBody>
+        </p:sp>
+      </p:grpSp>
+      <p:sp>
+        <p:nvSpPr>
+          <p:cNvPr id="119" name="TextBox 118">
+            <a:extLst>
+              <a:ext uri="{FF2B5EF4-FFF2-40B4-BE49-F238E27FC236}">
+                <a16:creationId xmlns:a16="http://schemas.microsoft.com/office/drawing/2014/main" id="{F9CCB000-1962-9422-5FB6-239D625D80FF}"/>
+              </a:ext>
+            </a:extLst>
+          </p:cNvPr>
+          <p:cNvSpPr txBox="1"/>
+          <p:nvPr/>
+        </p:nvSpPr>
+        <p:spPr>
+          <a:xfrm>
+            <a:off x="1092267" y="793793"/>
+            <a:ext cx="444352" cy="369332"/>
+          </a:xfrm>
+          <a:prstGeom prst="rect">
+            <a:avLst/>
+          </a:prstGeom>
+          <a:noFill/>
+        </p:spPr>
+        <p:txBody>
+          <a:bodyPr wrap="none" rtlCol="0">
+            <a:spAutoFit/>
+          </a:bodyPr>
+          <a:lstStyle/>
+          <a:p>
+            <a:r>
+              <a:rPr lang="en-DE" dirty="0"/>
+              <a:t>2D</a:t>
+            </a:r>
+          </a:p>
+        </p:txBody>
+      </p:sp>
+      <p:sp>
+        <p:nvSpPr>
+          <p:cNvPr id="120" name="TextBox 119">
+            <a:extLst>
+              <a:ext uri="{FF2B5EF4-FFF2-40B4-BE49-F238E27FC236}">
+                <a16:creationId xmlns:a16="http://schemas.microsoft.com/office/drawing/2014/main" id="{307CDD47-CAE6-3F7E-D0B4-1D444C4CDDDF}"/>
+              </a:ext>
+            </a:extLst>
+          </p:cNvPr>
+          <p:cNvSpPr txBox="1"/>
+          <p:nvPr/>
+        </p:nvSpPr>
+        <p:spPr>
+          <a:xfrm>
+            <a:off x="1084544" y="3032455"/>
+            <a:ext cx="1523174" cy="369332"/>
+          </a:xfrm>
+          <a:prstGeom prst="rect">
+            <a:avLst/>
+          </a:prstGeom>
+          <a:noFill/>
+        </p:spPr>
+        <p:txBody>
+          <a:bodyPr wrap="square" rtlCol="0">
+            <a:spAutoFit/>
+          </a:bodyPr>
+          <a:lstStyle/>
+          <a:p>
+            <a:r>
+              <a:rPr lang="en-DE" dirty="0"/>
+              <a:t>2D + Channels</a:t>
+            </a:r>
+          </a:p>
+        </p:txBody>
+      </p:sp>
+      <p:cxnSp>
+        <p:nvCxnSpPr>
+          <p:cNvPr id="123" name="Straight Arrow Connector 122">
+            <a:extLst>
+              <a:ext uri="{FF2B5EF4-FFF2-40B4-BE49-F238E27FC236}">
+                <a16:creationId xmlns:a16="http://schemas.microsoft.com/office/drawing/2014/main" id="{64843B2C-A281-D176-CC92-0A52C6D4C903}"/>
+              </a:ext>
+            </a:extLst>
+          </p:cNvPr>
+          <p:cNvCxnSpPr/>
+          <p:nvPr/>
+        </p:nvCxnSpPr>
+        <p:spPr>
+          <a:xfrm>
+            <a:off x="1152400" y="2338982"/>
+            <a:ext cx="1095324" cy="0"/>
+          </a:xfrm>
+          <a:prstGeom prst="straightConnector1">
+            <a:avLst/>
+          </a:prstGeom>
+          <a:ln>
+            <a:solidFill>
+              <a:schemeClr val="tx1"/>
+            </a:solidFill>
+            <a:headEnd type="triangle" w="med" len="med"/>
+            <a:tailEnd type="triangle" w="med" len="med"/>
+          </a:ln>
+        </p:spPr>
+        <p:style>
+          <a:lnRef idx="1">
+            <a:schemeClr val="accent1"/>
+          </a:lnRef>
+          <a:fillRef idx="0">
+            <a:schemeClr val="accent1"/>
+          </a:fillRef>
+          <a:effectRef idx="0">
+            <a:schemeClr val="accent1"/>
+          </a:effectRef>
+          <a:fontRef idx="minor">
+            <a:schemeClr val="tx1"/>
+          </a:fontRef>
+        </p:style>
+      </p:cxnSp>
+      <p:cxnSp>
+        <p:nvCxnSpPr>
+          <p:cNvPr id="124" name="Straight Arrow Connector 123">
+            <a:extLst>
+              <a:ext uri="{FF2B5EF4-FFF2-40B4-BE49-F238E27FC236}">
+                <a16:creationId xmlns:a16="http://schemas.microsoft.com/office/drawing/2014/main" id="{AD179542-B81B-E3E4-BF32-C11B670187A7}"/>
+              </a:ext>
+            </a:extLst>
+          </p:cNvPr>
+          <p:cNvCxnSpPr>
+            <a:cxnSpLocks/>
+          </p:cNvCxnSpPr>
+          <p:nvPr/>
+        </p:nvCxnSpPr>
+        <p:spPr>
+          <a:xfrm flipV="1">
+            <a:off x="1073232" y="1325584"/>
+            <a:ext cx="0" cy="940840"/>
+          </a:xfrm>
+          <a:prstGeom prst="straightConnector1">
+            <a:avLst/>
+          </a:prstGeom>
+          <a:ln>
+            <a:solidFill>
+              <a:schemeClr val="tx1"/>
+            </a:solidFill>
+            <a:headEnd type="triangle" w="med" len="med"/>
+            <a:tailEnd type="triangle" w="med" len="med"/>
+          </a:ln>
+        </p:spPr>
+        <p:style>
+          <a:lnRef idx="1">
+            <a:schemeClr val="accent1"/>
+          </a:lnRef>
+          <a:fillRef idx="0">
+            <a:schemeClr val="accent1"/>
+          </a:fillRef>
+          <a:effectRef idx="0">
+            <a:schemeClr val="accent1"/>
+          </a:effectRef>
+          <a:fontRef idx="minor">
+            <a:schemeClr val="tx1"/>
+          </a:fontRef>
+        </p:style>
+      </p:cxnSp>
+      <p:sp>
+        <p:nvSpPr>
+          <p:cNvPr id="127" name="TextBox 126">
+            <a:extLst>
+              <a:ext uri="{FF2B5EF4-FFF2-40B4-BE49-F238E27FC236}">
+                <a16:creationId xmlns:a16="http://schemas.microsoft.com/office/drawing/2014/main" id="{D9F0A4A8-20FA-6BEA-A5BC-8FDFD76D2782}"/>
+              </a:ext>
+            </a:extLst>
+          </p:cNvPr>
+          <p:cNvSpPr txBox="1"/>
+          <p:nvPr/>
+        </p:nvSpPr>
+        <p:spPr>
+          <a:xfrm>
+            <a:off x="1607466" y="2405587"/>
+            <a:ext cx="304892" cy="369332"/>
+          </a:xfrm>
+          <a:prstGeom prst="rect">
+            <a:avLst/>
+          </a:prstGeom>
+          <a:noFill/>
+        </p:spPr>
+        <p:txBody>
+          <a:bodyPr wrap="none" rtlCol="0">
+            <a:spAutoFit/>
+          </a:bodyPr>
+          <a:lstStyle/>
+          <a:p>
+            <a:r>
+              <a:rPr lang="en-DE" dirty="0"/>
+              <a:t>X</a:t>
+            </a:r>
+          </a:p>
+        </p:txBody>
+      </p:sp>
+      <p:sp>
+        <p:nvSpPr>
+          <p:cNvPr id="128" name="TextBox 127">
+            <a:extLst>
+              <a:ext uri="{FF2B5EF4-FFF2-40B4-BE49-F238E27FC236}">
+                <a16:creationId xmlns:a16="http://schemas.microsoft.com/office/drawing/2014/main" id="{0A9BE715-4007-D9DF-B935-D16AA8B45DBB}"/>
+              </a:ext>
+            </a:extLst>
+          </p:cNvPr>
+          <p:cNvSpPr txBox="1"/>
+          <p:nvPr/>
+        </p:nvSpPr>
+        <p:spPr>
+          <a:xfrm>
+            <a:off x="791944" y="1500361"/>
+            <a:ext cx="304892" cy="369332"/>
+          </a:xfrm>
+          <a:prstGeom prst="rect">
+            <a:avLst/>
+          </a:prstGeom>
+          <a:noFill/>
+        </p:spPr>
+        <p:txBody>
+          <a:bodyPr wrap="none" rtlCol="0">
+            <a:spAutoFit/>
+          </a:bodyPr>
+          <a:lstStyle/>
+          <a:p>
+            <a:r>
+              <a:rPr lang="en-DE" dirty="0"/>
+              <a:t>Y</a:t>
+            </a:r>
+          </a:p>
+        </p:txBody>
+      </p:sp>
+      <p:cxnSp>
+        <p:nvCxnSpPr>
+          <p:cNvPr id="129" name="Straight Arrow Connector 128">
+            <a:extLst>
+              <a:ext uri="{FF2B5EF4-FFF2-40B4-BE49-F238E27FC236}">
+                <a16:creationId xmlns:a16="http://schemas.microsoft.com/office/drawing/2014/main" id="{D128C97A-015C-1170-AA1E-EE94760CA562}"/>
+              </a:ext>
+            </a:extLst>
+          </p:cNvPr>
+          <p:cNvCxnSpPr>
+            <a:cxnSpLocks/>
+          </p:cNvCxnSpPr>
+          <p:nvPr/>
+        </p:nvCxnSpPr>
+        <p:spPr>
+          <a:xfrm>
+            <a:off x="1136441" y="4933214"/>
+            <a:ext cx="1095324" cy="0"/>
+          </a:xfrm>
+          <a:prstGeom prst="straightConnector1">
+            <a:avLst/>
+          </a:prstGeom>
+          <a:ln>
+            <a:solidFill>
+              <a:schemeClr val="tx1"/>
+            </a:solidFill>
+            <a:headEnd type="triangle" w="med" len="med"/>
+            <a:tailEnd type="triangle" w="med" len="med"/>
+          </a:ln>
+        </p:spPr>
+        <p:style>
+          <a:lnRef idx="1">
+            <a:schemeClr val="accent1"/>
+          </a:lnRef>
+          <a:fillRef idx="0">
+            <a:schemeClr val="accent1"/>
+          </a:fillRef>
+          <a:effectRef idx="0">
+            <a:schemeClr val="accent1"/>
+          </a:effectRef>
+          <a:fontRef idx="minor">
+            <a:schemeClr val="tx1"/>
+          </a:fontRef>
+        </p:style>
+      </p:cxnSp>
+      <p:sp>
+        <p:nvSpPr>
+          <p:cNvPr id="130" name="TextBox 129">
+            <a:extLst>
+              <a:ext uri="{FF2B5EF4-FFF2-40B4-BE49-F238E27FC236}">
+                <a16:creationId xmlns:a16="http://schemas.microsoft.com/office/drawing/2014/main" id="{5D8956D2-8459-C291-B02C-75BAFFA1CE26}"/>
+              </a:ext>
+            </a:extLst>
+          </p:cNvPr>
+          <p:cNvSpPr txBox="1"/>
+          <p:nvPr/>
+        </p:nvSpPr>
+        <p:spPr>
+          <a:xfrm>
+            <a:off x="1622101" y="4914779"/>
+            <a:ext cx="304892" cy="369332"/>
+          </a:xfrm>
+          <a:prstGeom prst="rect">
+            <a:avLst/>
+          </a:prstGeom>
+          <a:noFill/>
+        </p:spPr>
+        <p:txBody>
+          <a:bodyPr wrap="square" rtlCol="0">
+            <a:spAutoFit/>
+          </a:bodyPr>
+          <a:lstStyle/>
+          <a:p>
+            <a:r>
+              <a:rPr lang="en-DE" dirty="0"/>
+              <a:t>X</a:t>
+            </a:r>
+          </a:p>
+        </p:txBody>
+      </p:sp>
+      <p:cxnSp>
+        <p:nvCxnSpPr>
+          <p:cNvPr id="131" name="Straight Arrow Connector 130">
+            <a:extLst>
+              <a:ext uri="{FF2B5EF4-FFF2-40B4-BE49-F238E27FC236}">
+                <a16:creationId xmlns:a16="http://schemas.microsoft.com/office/drawing/2014/main" id="{5C32F9E5-8B26-E6B4-29D9-5CDCB135B60D}"/>
+              </a:ext>
+            </a:extLst>
+          </p:cNvPr>
+          <p:cNvCxnSpPr>
+            <a:cxnSpLocks/>
+          </p:cNvCxnSpPr>
+          <p:nvPr/>
+        </p:nvCxnSpPr>
+        <p:spPr>
+          <a:xfrm flipV="1">
+            <a:off x="1086875" y="3467763"/>
+            <a:ext cx="316681" cy="342562"/>
+          </a:xfrm>
+          <a:prstGeom prst="straightConnector1">
+            <a:avLst/>
+          </a:prstGeom>
+          <a:ln>
+            <a:solidFill>
+              <a:schemeClr val="tx1"/>
+            </a:solidFill>
+            <a:headEnd type="triangle" w="med" len="med"/>
+            <a:tailEnd type="triangle" w="med" len="med"/>
+          </a:ln>
+        </p:spPr>
+        <p:style>
+          <a:lnRef idx="1">
+            <a:schemeClr val="accent1"/>
+          </a:lnRef>
+          <a:fillRef idx="0">
+            <a:schemeClr val="accent1"/>
+          </a:fillRef>
+          <a:effectRef idx="0">
+            <a:schemeClr val="accent1"/>
+          </a:effectRef>
+          <a:fontRef idx="minor">
+            <a:schemeClr val="tx1"/>
+          </a:fontRef>
+        </p:style>
+      </p:cxnSp>
+      <p:sp>
+        <p:nvSpPr>
+          <p:cNvPr id="132" name="TextBox 131">
+            <a:extLst>
+              <a:ext uri="{FF2B5EF4-FFF2-40B4-BE49-F238E27FC236}">
+                <a16:creationId xmlns:a16="http://schemas.microsoft.com/office/drawing/2014/main" id="{B13CBA9D-6768-8FA1-EDE0-47F63CF46403}"/>
+              </a:ext>
+            </a:extLst>
+          </p:cNvPr>
+          <p:cNvSpPr txBox="1"/>
+          <p:nvPr/>
+        </p:nvSpPr>
+        <p:spPr>
+          <a:xfrm>
+            <a:off x="972651" y="3378026"/>
+            <a:ext cx="304892" cy="369332"/>
+          </a:xfrm>
+          <a:prstGeom prst="rect">
+            <a:avLst/>
+          </a:prstGeom>
+          <a:noFill/>
+        </p:spPr>
+        <p:txBody>
+          <a:bodyPr wrap="square" rtlCol="0">
+            <a:spAutoFit/>
+          </a:bodyPr>
+          <a:lstStyle/>
+          <a:p>
+            <a:r>
+              <a:rPr lang="en-DE" dirty="0"/>
+              <a:t>Y</a:t>
+            </a:r>
+          </a:p>
+        </p:txBody>
+      </p:sp>
+      <p:cxnSp>
+        <p:nvCxnSpPr>
+          <p:cNvPr id="135" name="Straight Arrow Connector 134">
+            <a:extLst>
+              <a:ext uri="{FF2B5EF4-FFF2-40B4-BE49-F238E27FC236}">
+                <a16:creationId xmlns:a16="http://schemas.microsoft.com/office/drawing/2014/main" id="{95AA082B-03EE-70F0-5962-872F5B886040}"/>
+              </a:ext>
+            </a:extLst>
+          </p:cNvPr>
+          <p:cNvCxnSpPr>
+            <a:cxnSpLocks/>
+          </p:cNvCxnSpPr>
+          <p:nvPr/>
+        </p:nvCxnSpPr>
+        <p:spPr>
+          <a:xfrm flipV="1">
+            <a:off x="1084544" y="3879311"/>
+            <a:ext cx="0" cy="940840"/>
+          </a:xfrm>
+          <a:prstGeom prst="straightConnector1">
+            <a:avLst/>
+          </a:prstGeom>
+          <a:ln>
+            <a:solidFill>
+              <a:schemeClr val="tx1"/>
+            </a:solidFill>
+            <a:headEnd type="triangle" w="med" len="med"/>
+            <a:tailEnd type="triangle" w="med" len="med"/>
+          </a:ln>
+        </p:spPr>
+        <p:style>
+          <a:lnRef idx="1">
+            <a:schemeClr val="accent1"/>
+          </a:lnRef>
+          <a:fillRef idx="0">
+            <a:schemeClr val="accent1"/>
+          </a:fillRef>
+          <a:effectRef idx="0">
+            <a:schemeClr val="accent1"/>
+          </a:effectRef>
+          <a:fontRef idx="minor">
+            <a:schemeClr val="tx1"/>
+          </a:fontRef>
+        </p:style>
+      </p:cxnSp>
+      <p:sp>
+        <p:nvSpPr>
+          <p:cNvPr id="136" name="TextBox 135">
+            <a:extLst>
+              <a:ext uri="{FF2B5EF4-FFF2-40B4-BE49-F238E27FC236}">
+                <a16:creationId xmlns:a16="http://schemas.microsoft.com/office/drawing/2014/main" id="{6B383FE0-1DA2-0E22-9BFC-C80F191DB36E}"/>
+              </a:ext>
+            </a:extLst>
+          </p:cNvPr>
+          <p:cNvSpPr txBox="1"/>
+          <p:nvPr/>
+        </p:nvSpPr>
+        <p:spPr>
+          <a:xfrm>
+            <a:off x="822266" y="4165065"/>
+            <a:ext cx="308098" cy="369332"/>
+          </a:xfrm>
+          <a:prstGeom prst="rect">
+            <a:avLst/>
+          </a:prstGeom>
+          <a:noFill/>
+        </p:spPr>
+        <p:txBody>
+          <a:bodyPr wrap="square" rtlCol="0">
+            <a:spAutoFit/>
+          </a:bodyPr>
+          <a:lstStyle/>
+          <a:p>
+            <a:r>
+              <a:rPr lang="en-DE" dirty="0"/>
+              <a:t>C</a:t>
+            </a:r>
+          </a:p>
+        </p:txBody>
+      </p:sp>
+      <p:sp>
+        <p:nvSpPr>
+          <p:cNvPr id="140" name="TextBox 139">
+            <a:extLst>
+              <a:ext uri="{FF2B5EF4-FFF2-40B4-BE49-F238E27FC236}">
+                <a16:creationId xmlns:a16="http://schemas.microsoft.com/office/drawing/2014/main" id="{1AE7B45C-5B8D-D486-676D-7B5673B444B9}"/>
+              </a:ext>
+            </a:extLst>
+          </p:cNvPr>
+          <p:cNvSpPr txBox="1"/>
+          <p:nvPr/>
+        </p:nvSpPr>
+        <p:spPr>
+          <a:xfrm>
+            <a:off x="8724425" y="1446040"/>
+            <a:ext cx="2637389" cy="369332"/>
+          </a:xfrm>
+          <a:prstGeom prst="rect">
+            <a:avLst/>
+          </a:prstGeom>
+          <a:noFill/>
+        </p:spPr>
+        <p:txBody>
+          <a:bodyPr wrap="none" rtlCol="0">
+            <a:spAutoFit/>
+          </a:bodyPr>
+          <a:lstStyle/>
+          <a:p>
+            <a:r>
+              <a:rPr lang="en-DE" dirty="0"/>
+              <a:t>Merged/Composite image</a:t>
+            </a:r>
+          </a:p>
+        </p:txBody>
+      </p:sp>
+      <p:sp>
+        <p:nvSpPr>
+          <p:cNvPr id="190" name="TextBox 189">
+            <a:extLst>
+              <a:ext uri="{FF2B5EF4-FFF2-40B4-BE49-F238E27FC236}">
+                <a16:creationId xmlns:a16="http://schemas.microsoft.com/office/drawing/2014/main" id="{061444F0-50F1-13D0-3C10-8A8D9E61C402}"/>
+              </a:ext>
+            </a:extLst>
+          </p:cNvPr>
+          <p:cNvSpPr txBox="1"/>
+          <p:nvPr/>
+        </p:nvSpPr>
+        <p:spPr>
+          <a:xfrm>
+            <a:off x="822266" y="5325514"/>
+            <a:ext cx="2038763" cy="369332"/>
+          </a:xfrm>
+          <a:prstGeom prst="rect">
+            <a:avLst/>
+          </a:prstGeom>
+          <a:noFill/>
+        </p:spPr>
+        <p:txBody>
+          <a:bodyPr wrap="none" rtlCol="0">
+            <a:spAutoFit/>
+          </a:bodyPr>
+          <a:lstStyle/>
+          <a:p>
+            <a:r>
+              <a:rPr lang="en-DE" dirty="0"/>
+              <a:t>Array shape (X, Y, C)</a:t>
+            </a:r>
+          </a:p>
+        </p:txBody>
+      </p:sp>
+      <p:grpSp>
+        <p:nvGrpSpPr>
+          <p:cNvPr id="285" name="Group 284">
+            <a:extLst>
+              <a:ext uri="{FF2B5EF4-FFF2-40B4-BE49-F238E27FC236}">
+                <a16:creationId xmlns:a16="http://schemas.microsoft.com/office/drawing/2014/main" id="{3ED0DD8E-4BE4-FDE9-F10D-676B57F2F497}"/>
+              </a:ext>
+            </a:extLst>
+          </p:cNvPr>
+          <p:cNvGrpSpPr/>
+          <p:nvPr/>
+        </p:nvGrpSpPr>
+        <p:grpSpPr>
+          <a:xfrm>
+            <a:off x="6780423" y="547318"/>
+            <a:ext cx="1697766" cy="1906085"/>
+            <a:chOff x="7484753" y="4545598"/>
+            <a:chExt cx="1697766" cy="1906085"/>
+          </a:xfrm>
+        </p:grpSpPr>
+        <p:grpSp>
+          <p:nvGrpSpPr>
+            <p:cNvPr id="237" name="Group 236">
+              <a:extLst>
+                <a:ext uri="{FF2B5EF4-FFF2-40B4-BE49-F238E27FC236}">
+                  <a16:creationId xmlns:a16="http://schemas.microsoft.com/office/drawing/2014/main" id="{E19B6BF0-A657-8E45-4109-CC6043FF70AA}"/>
+                </a:ext>
+              </a:extLst>
+            </p:cNvPr>
+            <p:cNvGrpSpPr/>
+            <p:nvPr/>
+          </p:nvGrpSpPr>
+          <p:grpSpPr>
+            <a:xfrm>
+              <a:off x="7824191" y="5461874"/>
+              <a:ext cx="1357441" cy="532485"/>
+              <a:chOff x="177794" y="3163330"/>
+              <a:chExt cx="1357441" cy="532485"/>
+            </a:xfrm>
+            <a:solidFill>
+              <a:srgbClr val="00F3F0"/>
+            </a:solidFill>
+          </p:grpSpPr>
+          <p:sp>
+            <p:nvSpPr>
+              <p:cNvPr id="238" name="Cube 237">
+                <a:extLst>
+                  <a:ext uri="{FF2B5EF4-FFF2-40B4-BE49-F238E27FC236}">
+                    <a16:creationId xmlns:a16="http://schemas.microsoft.com/office/drawing/2014/main" id="{3B98B188-E272-322E-F7C2-014FE34350A8}"/>
+                  </a:ext>
+                </a:extLst>
+              </p:cNvPr>
+              <p:cNvSpPr/>
+              <p:nvPr/>
+            </p:nvSpPr>
+            <p:spPr>
+              <a:xfrm>
+                <a:off x="344688" y="3163330"/>
+                <a:ext cx="370702" cy="370702"/>
+              </a:xfrm>
+              <a:prstGeom prst="cube">
+                <a:avLst/>
+              </a:prstGeom>
+              <a:grpFill/>
+              <a:ln>
+                <a:solidFill>
+                  <a:schemeClr val="tx1"/>
+                </a:solidFill>
+              </a:ln>
+            </p:spPr>
+            <p:style>
+              <a:lnRef idx="1">
+                <a:schemeClr val="accent5"/>
+              </a:lnRef>
+              <a:fillRef idx="2">
+                <a:schemeClr val="accent5"/>
+              </a:fillRef>
+              <a:effectRef idx="1">
+                <a:schemeClr val="accent5"/>
+              </a:effectRef>
+              <a:fontRef idx="minor">
+                <a:schemeClr val="dk1"/>
+              </a:fontRef>
+            </p:style>
+            <p:txBody>
+              <a:bodyPr rtlCol="0" anchor="ctr"/>
+              <a:lstStyle/>
+              <a:p>
+                <a:pPr algn="ctr"/>
+                <a:endParaRPr lang="en-DE"/>
+              </a:p>
+            </p:txBody>
+          </p:sp>
+          <p:sp>
+            <p:nvSpPr>
+              <p:cNvPr id="239" name="Cube 238">
+                <a:extLst>
+                  <a:ext uri="{FF2B5EF4-FFF2-40B4-BE49-F238E27FC236}">
+                    <a16:creationId xmlns:a16="http://schemas.microsoft.com/office/drawing/2014/main" id="{82209A2D-F216-9DEB-ED47-985AC26F2313}"/>
+                  </a:ext>
+                </a:extLst>
+              </p:cNvPr>
+              <p:cNvSpPr/>
+              <p:nvPr/>
+            </p:nvSpPr>
+            <p:spPr>
+              <a:xfrm>
+                <a:off x="616535" y="3163330"/>
+                <a:ext cx="370702" cy="370702"/>
+              </a:xfrm>
+              <a:prstGeom prst="cube">
+                <a:avLst/>
+              </a:prstGeom>
+              <a:grpFill/>
+              <a:ln>
+                <a:solidFill>
+                  <a:schemeClr val="tx1"/>
+                </a:solidFill>
+              </a:ln>
+            </p:spPr>
+            <p:style>
+              <a:lnRef idx="1">
+                <a:schemeClr val="accent5"/>
+              </a:lnRef>
+              <a:fillRef idx="2">
+                <a:schemeClr val="accent5"/>
+              </a:fillRef>
+              <a:effectRef idx="1">
+                <a:schemeClr val="accent5"/>
+              </a:effectRef>
+              <a:fontRef idx="minor">
+                <a:schemeClr val="dk1"/>
+              </a:fontRef>
+            </p:style>
+            <p:txBody>
+              <a:bodyPr rtlCol="0" anchor="ctr"/>
+              <a:lstStyle/>
+              <a:p>
+                <a:pPr algn="ctr"/>
+                <a:endParaRPr lang="en-DE"/>
+              </a:p>
+            </p:txBody>
+          </p:sp>
+          <p:sp>
+            <p:nvSpPr>
+              <p:cNvPr id="240" name="Cube 239">
+                <a:extLst>
+                  <a:ext uri="{FF2B5EF4-FFF2-40B4-BE49-F238E27FC236}">
+                    <a16:creationId xmlns:a16="http://schemas.microsoft.com/office/drawing/2014/main" id="{3D1732B0-11CD-0A2F-C366-957F382C7BD7}"/>
+                  </a:ext>
+                </a:extLst>
+              </p:cNvPr>
+              <p:cNvSpPr/>
+              <p:nvPr/>
+            </p:nvSpPr>
+            <p:spPr>
+              <a:xfrm>
+                <a:off x="888382" y="3163330"/>
+                <a:ext cx="370702" cy="370702"/>
+              </a:xfrm>
+              <a:prstGeom prst="cube">
+                <a:avLst/>
+              </a:prstGeom>
+              <a:grpFill/>
+              <a:ln>
+                <a:solidFill>
+                  <a:schemeClr val="tx1"/>
+                </a:solidFill>
+              </a:ln>
+            </p:spPr>
+            <p:style>
+              <a:lnRef idx="1">
+                <a:schemeClr val="accent5"/>
+              </a:lnRef>
+              <a:fillRef idx="2">
+                <a:schemeClr val="accent5"/>
+              </a:fillRef>
+              <a:effectRef idx="1">
+                <a:schemeClr val="accent5"/>
+              </a:effectRef>
+              <a:fontRef idx="minor">
+                <a:schemeClr val="dk1"/>
+              </a:fontRef>
+            </p:style>
+            <p:txBody>
+              <a:bodyPr rtlCol="0" anchor="ctr"/>
+              <a:lstStyle/>
+              <a:p>
+                <a:pPr algn="ctr"/>
+                <a:endParaRPr lang="en-DE"/>
+              </a:p>
+            </p:txBody>
+          </p:sp>
+          <p:sp>
+            <p:nvSpPr>
+              <p:cNvPr id="241" name="Cube 240">
+                <a:extLst>
+                  <a:ext uri="{FF2B5EF4-FFF2-40B4-BE49-F238E27FC236}">
+                    <a16:creationId xmlns:a16="http://schemas.microsoft.com/office/drawing/2014/main" id="{8821E0B8-3487-06ED-0601-DA7BE01B997F}"/>
+                  </a:ext>
+                </a:extLst>
+              </p:cNvPr>
+              <p:cNvSpPr/>
+              <p:nvPr/>
+            </p:nvSpPr>
+            <p:spPr>
+              <a:xfrm>
+                <a:off x="261435" y="3243649"/>
+                <a:ext cx="370702" cy="370702"/>
+              </a:xfrm>
+              <a:prstGeom prst="cube">
+                <a:avLst/>
+              </a:prstGeom>
+              <a:grpFill/>
+              <a:ln>
+                <a:solidFill>
+                  <a:schemeClr val="tx1"/>
+                </a:solidFill>
+              </a:ln>
+            </p:spPr>
+            <p:style>
+              <a:lnRef idx="1">
+                <a:schemeClr val="accent5"/>
+              </a:lnRef>
+              <a:fillRef idx="2">
+                <a:schemeClr val="accent5"/>
+              </a:fillRef>
+              <a:effectRef idx="1">
+                <a:schemeClr val="accent5"/>
+              </a:effectRef>
+              <a:fontRef idx="minor">
+                <a:schemeClr val="dk1"/>
+              </a:fontRef>
+            </p:style>
+            <p:txBody>
+              <a:bodyPr rtlCol="0" anchor="ctr"/>
+              <a:lstStyle/>
+              <a:p>
+                <a:pPr algn="ctr"/>
+                <a:endParaRPr lang="en-DE"/>
+              </a:p>
+            </p:txBody>
+          </p:sp>
+          <p:sp>
+            <p:nvSpPr>
+              <p:cNvPr id="242" name="Cube 241">
+                <a:extLst>
+                  <a:ext uri="{FF2B5EF4-FFF2-40B4-BE49-F238E27FC236}">
+                    <a16:creationId xmlns:a16="http://schemas.microsoft.com/office/drawing/2014/main" id="{A50AF0AA-D563-EB4E-4D1C-4F10F8E35DBC}"/>
+                  </a:ext>
+                </a:extLst>
+              </p:cNvPr>
+              <p:cNvSpPr/>
+              <p:nvPr/>
+            </p:nvSpPr>
+            <p:spPr>
+              <a:xfrm>
+                <a:off x="533282" y="3243649"/>
+                <a:ext cx="370702" cy="370702"/>
+              </a:xfrm>
+              <a:prstGeom prst="cube">
+                <a:avLst/>
+              </a:prstGeom>
+              <a:grpFill/>
+              <a:ln>
+                <a:solidFill>
+                  <a:schemeClr val="tx1"/>
+                </a:solidFill>
+              </a:ln>
+            </p:spPr>
+            <p:style>
+              <a:lnRef idx="1">
+                <a:schemeClr val="accent5"/>
+              </a:lnRef>
+              <a:fillRef idx="2">
+                <a:schemeClr val="accent5"/>
+              </a:fillRef>
+              <a:effectRef idx="1">
+                <a:schemeClr val="accent5"/>
+              </a:effectRef>
+              <a:fontRef idx="minor">
+                <a:schemeClr val="dk1"/>
+              </a:fontRef>
+            </p:style>
+            <p:txBody>
+              <a:bodyPr rtlCol="0" anchor="ctr"/>
+              <a:lstStyle/>
+              <a:p>
+                <a:pPr algn="ctr"/>
+                <a:endParaRPr lang="en-DE"/>
+              </a:p>
+            </p:txBody>
+          </p:sp>
+          <p:sp>
+            <p:nvSpPr>
+              <p:cNvPr id="243" name="Cube 242">
+                <a:extLst>
+                  <a:ext uri="{FF2B5EF4-FFF2-40B4-BE49-F238E27FC236}">
+                    <a16:creationId xmlns:a16="http://schemas.microsoft.com/office/drawing/2014/main" id="{1E14C2DC-7B8C-89B6-72FC-BAE4E9734968}"/>
+                  </a:ext>
+                </a:extLst>
+              </p:cNvPr>
+              <p:cNvSpPr/>
+              <p:nvPr/>
+            </p:nvSpPr>
+            <p:spPr>
+              <a:xfrm>
+                <a:off x="811616" y="3243649"/>
+                <a:ext cx="370702" cy="370702"/>
+              </a:xfrm>
+              <a:prstGeom prst="cube">
+                <a:avLst/>
+              </a:prstGeom>
+              <a:grpFill/>
+              <a:ln>
+                <a:solidFill>
+                  <a:schemeClr val="tx1"/>
+                </a:solidFill>
+              </a:ln>
+            </p:spPr>
+            <p:style>
+              <a:lnRef idx="1">
+                <a:schemeClr val="accent5"/>
+              </a:lnRef>
+              <a:fillRef idx="2">
+                <a:schemeClr val="accent5"/>
+              </a:fillRef>
+              <a:effectRef idx="1">
+                <a:schemeClr val="accent5"/>
+              </a:effectRef>
+              <a:fontRef idx="minor">
+                <a:schemeClr val="dk1"/>
+              </a:fontRef>
+            </p:style>
+            <p:txBody>
+              <a:bodyPr rtlCol="0" anchor="ctr"/>
+              <a:lstStyle/>
+              <a:p>
+                <a:pPr algn="ctr"/>
+                <a:endParaRPr lang="en-DE"/>
+              </a:p>
+            </p:txBody>
+          </p:sp>
+          <p:sp>
+            <p:nvSpPr>
+              <p:cNvPr id="244" name="Cube 243">
+                <a:extLst>
+                  <a:ext uri="{FF2B5EF4-FFF2-40B4-BE49-F238E27FC236}">
+                    <a16:creationId xmlns:a16="http://schemas.microsoft.com/office/drawing/2014/main" id="{A1E97B22-193D-E3B7-3CD0-5BAA41AF6EAE}"/>
+                  </a:ext>
+                </a:extLst>
+              </p:cNvPr>
+              <p:cNvSpPr/>
+              <p:nvPr/>
+            </p:nvSpPr>
+            <p:spPr>
+              <a:xfrm>
+                <a:off x="177794" y="3323968"/>
+                <a:ext cx="370702" cy="370702"/>
+              </a:xfrm>
+              <a:prstGeom prst="cube">
+                <a:avLst/>
+              </a:prstGeom>
+              <a:grpFill/>
+              <a:ln>
+                <a:solidFill>
+                  <a:schemeClr val="tx1"/>
+                </a:solidFill>
+              </a:ln>
+            </p:spPr>
+            <p:style>
+              <a:lnRef idx="1">
+                <a:schemeClr val="accent5"/>
+              </a:lnRef>
+              <a:fillRef idx="2">
+                <a:schemeClr val="accent5"/>
+              </a:fillRef>
+              <a:effectRef idx="1">
+                <a:schemeClr val="accent5"/>
+              </a:effectRef>
+              <a:fontRef idx="minor">
+                <a:schemeClr val="dk1"/>
+              </a:fontRef>
+            </p:style>
+            <p:txBody>
+              <a:bodyPr rtlCol="0" anchor="ctr"/>
+              <a:lstStyle/>
+              <a:p>
+                <a:pPr algn="ctr"/>
+                <a:endParaRPr lang="en-DE"/>
+              </a:p>
+            </p:txBody>
+          </p:sp>
+          <p:sp>
+            <p:nvSpPr>
+              <p:cNvPr id="245" name="Cube 244">
+                <a:extLst>
+                  <a:ext uri="{FF2B5EF4-FFF2-40B4-BE49-F238E27FC236}">
+                    <a16:creationId xmlns:a16="http://schemas.microsoft.com/office/drawing/2014/main" id="{9867FB8E-6FEB-D7FD-1ACC-DC7E3792E572}"/>
+                  </a:ext>
+                </a:extLst>
+              </p:cNvPr>
+              <p:cNvSpPr/>
+              <p:nvPr/>
+            </p:nvSpPr>
+            <p:spPr>
+              <a:xfrm>
+                <a:off x="458368" y="3323968"/>
+                <a:ext cx="370702" cy="370702"/>
+              </a:xfrm>
+              <a:prstGeom prst="cube">
+                <a:avLst/>
+              </a:prstGeom>
+              <a:grpFill/>
+              <a:ln>
+                <a:solidFill>
+                  <a:schemeClr val="tx1"/>
+                </a:solidFill>
+              </a:ln>
+            </p:spPr>
+            <p:style>
+              <a:lnRef idx="1">
+                <a:schemeClr val="accent5"/>
+              </a:lnRef>
+              <a:fillRef idx="2">
+                <a:schemeClr val="accent5"/>
+              </a:fillRef>
+              <a:effectRef idx="1">
+                <a:schemeClr val="accent5"/>
+              </a:effectRef>
+              <a:fontRef idx="minor">
+                <a:schemeClr val="dk1"/>
+              </a:fontRef>
+            </p:style>
+            <p:txBody>
+              <a:bodyPr rtlCol="0" anchor="ctr"/>
+              <a:lstStyle/>
+              <a:p>
+                <a:pPr algn="ctr"/>
+                <a:endParaRPr lang="en-DE"/>
+              </a:p>
+            </p:txBody>
+          </p:sp>
+          <p:sp>
+            <p:nvSpPr>
+              <p:cNvPr id="246" name="Cube 245">
+                <a:extLst>
+                  <a:ext uri="{FF2B5EF4-FFF2-40B4-BE49-F238E27FC236}">
+                    <a16:creationId xmlns:a16="http://schemas.microsoft.com/office/drawing/2014/main" id="{883E4FFF-EFE6-8F09-F85D-0414476E71B1}"/>
+                  </a:ext>
+                </a:extLst>
+              </p:cNvPr>
+              <p:cNvSpPr/>
+              <p:nvPr/>
+            </p:nvSpPr>
+            <p:spPr>
+              <a:xfrm>
+                <a:off x="737090" y="3323968"/>
+                <a:ext cx="370702" cy="370702"/>
+              </a:xfrm>
+              <a:prstGeom prst="cube">
+                <a:avLst/>
+              </a:prstGeom>
+              <a:grpFill/>
+              <a:ln>
+                <a:solidFill>
+                  <a:schemeClr val="tx1"/>
+                </a:solidFill>
+              </a:ln>
+            </p:spPr>
+            <p:style>
+              <a:lnRef idx="1">
+                <a:schemeClr val="accent5"/>
+              </a:lnRef>
+              <a:fillRef idx="2">
+                <a:schemeClr val="accent5"/>
+              </a:fillRef>
+              <a:effectRef idx="1">
+                <a:schemeClr val="accent5"/>
+              </a:effectRef>
+              <a:fontRef idx="minor">
+                <a:schemeClr val="dk1"/>
+              </a:fontRef>
+            </p:style>
+            <p:txBody>
+              <a:bodyPr rtlCol="0" anchor="ctr"/>
+              <a:lstStyle/>
+              <a:p>
+                <a:pPr algn="ctr"/>
+                <a:endParaRPr lang="en-DE"/>
+              </a:p>
+            </p:txBody>
+          </p:sp>
+          <p:sp>
+            <p:nvSpPr>
+              <p:cNvPr id="247" name="Cube 246">
+                <a:extLst>
+                  <a:ext uri="{FF2B5EF4-FFF2-40B4-BE49-F238E27FC236}">
+                    <a16:creationId xmlns:a16="http://schemas.microsoft.com/office/drawing/2014/main" id="{3DA69C0A-F4BE-04FA-D000-B78620C600C0}"/>
+                  </a:ext>
+                </a:extLst>
+              </p:cNvPr>
+              <p:cNvSpPr/>
+              <p:nvPr/>
+            </p:nvSpPr>
+            <p:spPr>
+              <a:xfrm>
+                <a:off x="1164533" y="3164475"/>
+                <a:ext cx="370702" cy="370702"/>
+              </a:xfrm>
+              <a:prstGeom prst="cube">
+                <a:avLst/>
+              </a:prstGeom>
+              <a:grpFill/>
+              <a:ln>
+                <a:solidFill>
+                  <a:schemeClr val="tx1"/>
+                </a:solidFill>
+              </a:ln>
+            </p:spPr>
+            <p:style>
+              <a:lnRef idx="1">
+                <a:schemeClr val="accent5"/>
+              </a:lnRef>
+              <a:fillRef idx="2">
+                <a:schemeClr val="accent5"/>
+              </a:fillRef>
+              <a:effectRef idx="1">
+                <a:schemeClr val="accent5"/>
+              </a:effectRef>
+              <a:fontRef idx="minor">
+                <a:schemeClr val="dk1"/>
+              </a:fontRef>
+            </p:style>
+            <p:txBody>
+              <a:bodyPr rtlCol="0" anchor="ctr"/>
+              <a:lstStyle/>
+              <a:p>
+                <a:pPr algn="ctr"/>
+                <a:endParaRPr lang="en-DE"/>
+              </a:p>
+            </p:txBody>
+          </p:sp>
+          <p:sp>
+            <p:nvSpPr>
+              <p:cNvPr id="248" name="Cube 247">
+                <a:extLst>
+                  <a:ext uri="{FF2B5EF4-FFF2-40B4-BE49-F238E27FC236}">
+                    <a16:creationId xmlns:a16="http://schemas.microsoft.com/office/drawing/2014/main" id="{54A62FE5-4F64-B42E-B1AF-22F1C89B859C}"/>
+                  </a:ext>
+                </a:extLst>
+              </p:cNvPr>
+              <p:cNvSpPr/>
+              <p:nvPr/>
+            </p:nvSpPr>
+            <p:spPr>
+              <a:xfrm>
+                <a:off x="1087767" y="3251669"/>
+                <a:ext cx="370702" cy="370702"/>
+              </a:xfrm>
+              <a:prstGeom prst="cube">
+                <a:avLst/>
+              </a:prstGeom>
+              <a:grpFill/>
+              <a:ln>
+                <a:solidFill>
+                  <a:schemeClr val="tx1"/>
+                </a:solidFill>
+              </a:ln>
+            </p:spPr>
+            <p:style>
+              <a:lnRef idx="1">
+                <a:schemeClr val="accent5"/>
+              </a:lnRef>
+              <a:fillRef idx="2">
+                <a:schemeClr val="accent5"/>
+              </a:fillRef>
+              <a:effectRef idx="1">
+                <a:schemeClr val="accent5"/>
+              </a:effectRef>
+              <a:fontRef idx="minor">
+                <a:schemeClr val="dk1"/>
+              </a:fontRef>
+            </p:style>
+            <p:txBody>
+              <a:bodyPr rtlCol="0" anchor="ctr"/>
+              <a:lstStyle/>
+              <a:p>
+                <a:pPr algn="ctr"/>
+                <a:endParaRPr lang="en-DE"/>
+              </a:p>
+            </p:txBody>
+          </p:sp>
+          <p:sp>
+            <p:nvSpPr>
+              <p:cNvPr id="249" name="Cube 248">
+                <a:extLst>
+                  <a:ext uri="{FF2B5EF4-FFF2-40B4-BE49-F238E27FC236}">
+                    <a16:creationId xmlns:a16="http://schemas.microsoft.com/office/drawing/2014/main" id="{89106EEE-E186-2572-B151-9EF23A7ECB0C}"/>
+                  </a:ext>
+                </a:extLst>
+              </p:cNvPr>
+              <p:cNvSpPr/>
+              <p:nvPr/>
+            </p:nvSpPr>
+            <p:spPr>
+              <a:xfrm>
+                <a:off x="1013241" y="3325113"/>
+                <a:ext cx="370702" cy="370702"/>
+              </a:xfrm>
+              <a:prstGeom prst="cube">
+                <a:avLst/>
+              </a:prstGeom>
+              <a:grpFill/>
+              <a:ln>
+                <a:solidFill>
+                  <a:schemeClr val="tx1"/>
+                </a:solidFill>
+              </a:ln>
+            </p:spPr>
+            <p:style>
+              <a:lnRef idx="1">
+                <a:schemeClr val="accent5"/>
+              </a:lnRef>
+              <a:fillRef idx="2">
+                <a:schemeClr val="accent5"/>
+              </a:fillRef>
+              <a:effectRef idx="1">
+                <a:schemeClr val="accent5"/>
+              </a:effectRef>
+              <a:fontRef idx="minor">
+                <a:schemeClr val="dk1"/>
+              </a:fontRef>
+            </p:style>
+            <p:txBody>
+              <a:bodyPr rtlCol="0" anchor="ctr"/>
+              <a:lstStyle/>
+              <a:p>
+                <a:pPr algn="ctr"/>
+                <a:endParaRPr lang="en-DE"/>
+              </a:p>
+            </p:txBody>
+          </p:sp>
+        </p:grpSp>
+        <p:grpSp>
+          <p:nvGrpSpPr>
+            <p:cNvPr id="250" name="Group 249">
+              <a:extLst>
+                <a:ext uri="{FF2B5EF4-FFF2-40B4-BE49-F238E27FC236}">
+                  <a16:creationId xmlns:a16="http://schemas.microsoft.com/office/drawing/2014/main" id="{2F86B98E-4E02-E4F0-5F1E-6543E20D8699}"/>
+                </a:ext>
+              </a:extLst>
+            </p:cNvPr>
+            <p:cNvGrpSpPr/>
+            <p:nvPr/>
+          </p:nvGrpSpPr>
+          <p:grpSpPr>
+            <a:xfrm>
+              <a:off x="7824191" y="5098331"/>
+              <a:ext cx="1357441" cy="532485"/>
+              <a:chOff x="177794" y="3163330"/>
+              <a:chExt cx="1357441" cy="532485"/>
+            </a:xfrm>
+            <a:solidFill>
+              <a:srgbClr val="FF00FF"/>
+            </a:solidFill>
+          </p:grpSpPr>
+          <p:sp>
+            <p:nvSpPr>
+              <p:cNvPr id="251" name="Cube 250">
+                <a:extLst>
+                  <a:ext uri="{FF2B5EF4-FFF2-40B4-BE49-F238E27FC236}">
+                    <a16:creationId xmlns:a16="http://schemas.microsoft.com/office/drawing/2014/main" id="{B3E8B8A3-C090-360F-8767-E06F36583F3C}"/>
+                  </a:ext>
+                </a:extLst>
+              </p:cNvPr>
+              <p:cNvSpPr/>
+              <p:nvPr/>
+            </p:nvSpPr>
+            <p:spPr>
+              <a:xfrm>
+                <a:off x="344688" y="3163330"/>
+                <a:ext cx="370702" cy="370702"/>
+              </a:xfrm>
+              <a:prstGeom prst="cube">
+                <a:avLst/>
+              </a:prstGeom>
+              <a:grpFill/>
+            </p:spPr>
+            <p:style>
+              <a:lnRef idx="2">
+                <a:schemeClr val="accent1">
+                  <a:shade val="15000"/>
+                </a:schemeClr>
+              </a:lnRef>
+              <a:fillRef idx="1">
+                <a:schemeClr val="accent1"/>
+              </a:fillRef>
+              <a:effectRef idx="0">
+                <a:schemeClr val="accent1"/>
+              </a:effectRef>
+              <a:fontRef idx="minor">
+                <a:schemeClr val="lt1"/>
+              </a:fontRef>
+            </p:style>
+            <p:txBody>
+              <a:bodyPr rtlCol="0" anchor="ctr"/>
+              <a:lstStyle/>
+              <a:p>
+                <a:pPr algn="ctr"/>
+                <a:endParaRPr lang="en-DE"/>
+              </a:p>
+            </p:txBody>
+          </p:sp>
+          <p:sp>
+            <p:nvSpPr>
+              <p:cNvPr id="252" name="Cube 251">
+                <a:extLst>
+                  <a:ext uri="{FF2B5EF4-FFF2-40B4-BE49-F238E27FC236}">
+                    <a16:creationId xmlns:a16="http://schemas.microsoft.com/office/drawing/2014/main" id="{7B853F4C-389E-F738-7C94-918C852F0759}"/>
+                  </a:ext>
+                </a:extLst>
+              </p:cNvPr>
+              <p:cNvSpPr/>
+              <p:nvPr/>
+            </p:nvSpPr>
+            <p:spPr>
+              <a:xfrm>
+                <a:off x="616535" y="3163330"/>
+                <a:ext cx="370702" cy="370702"/>
+              </a:xfrm>
+              <a:prstGeom prst="cube">
+                <a:avLst/>
+              </a:prstGeom>
+              <a:grpFill/>
+            </p:spPr>
+            <p:style>
+              <a:lnRef idx="2">
+                <a:schemeClr val="accent1">
+                  <a:shade val="15000"/>
+                </a:schemeClr>
+              </a:lnRef>
+              <a:fillRef idx="1">
+                <a:schemeClr val="accent1"/>
+              </a:fillRef>
+              <a:effectRef idx="0">
+                <a:schemeClr val="accent1"/>
+              </a:effectRef>
+              <a:fontRef idx="minor">
+                <a:schemeClr val="lt1"/>
+              </a:fontRef>
+            </p:style>
+            <p:txBody>
+              <a:bodyPr rtlCol="0" anchor="ctr"/>
+              <a:lstStyle/>
+              <a:p>
+                <a:pPr algn="ctr"/>
+                <a:endParaRPr lang="en-DE"/>
+              </a:p>
+            </p:txBody>
+          </p:sp>
+          <p:sp>
+            <p:nvSpPr>
+              <p:cNvPr id="253" name="Cube 252">
+                <a:extLst>
+                  <a:ext uri="{FF2B5EF4-FFF2-40B4-BE49-F238E27FC236}">
+                    <a16:creationId xmlns:a16="http://schemas.microsoft.com/office/drawing/2014/main" id="{6A17760F-AEF3-892B-0936-EC1B513B47A5}"/>
+                  </a:ext>
+                </a:extLst>
+              </p:cNvPr>
+              <p:cNvSpPr/>
+              <p:nvPr/>
+            </p:nvSpPr>
+            <p:spPr>
+              <a:xfrm>
+                <a:off x="888382" y="3163330"/>
+                <a:ext cx="370702" cy="370702"/>
+              </a:xfrm>
+              <a:prstGeom prst="cube">
+                <a:avLst/>
+              </a:prstGeom>
+              <a:grpFill/>
+            </p:spPr>
+            <p:style>
+              <a:lnRef idx="2">
+                <a:schemeClr val="accent1">
+                  <a:shade val="15000"/>
+                </a:schemeClr>
+              </a:lnRef>
+              <a:fillRef idx="1">
+                <a:schemeClr val="accent1"/>
+              </a:fillRef>
+              <a:effectRef idx="0">
+                <a:schemeClr val="accent1"/>
+              </a:effectRef>
+              <a:fontRef idx="minor">
+                <a:schemeClr val="lt1"/>
+              </a:fontRef>
+            </p:style>
+            <p:txBody>
+              <a:bodyPr rtlCol="0" anchor="ctr"/>
+              <a:lstStyle/>
+              <a:p>
+                <a:pPr algn="ctr"/>
+                <a:endParaRPr lang="en-DE"/>
+              </a:p>
+            </p:txBody>
+          </p:sp>
+          <p:sp>
+            <p:nvSpPr>
+              <p:cNvPr id="254" name="Cube 253">
+                <a:extLst>
+                  <a:ext uri="{FF2B5EF4-FFF2-40B4-BE49-F238E27FC236}">
+                    <a16:creationId xmlns:a16="http://schemas.microsoft.com/office/drawing/2014/main" id="{12AB3D69-2D4D-35FA-2E55-C5677A3797C0}"/>
+                  </a:ext>
+                </a:extLst>
+              </p:cNvPr>
+              <p:cNvSpPr/>
+              <p:nvPr/>
+            </p:nvSpPr>
+            <p:spPr>
+              <a:xfrm>
+                <a:off x="261435" y="3243649"/>
+                <a:ext cx="370702" cy="370702"/>
+              </a:xfrm>
+              <a:prstGeom prst="cube">
+                <a:avLst/>
+              </a:prstGeom>
+              <a:grpFill/>
+            </p:spPr>
+            <p:style>
+              <a:lnRef idx="2">
+                <a:schemeClr val="accent1">
+                  <a:shade val="15000"/>
+                </a:schemeClr>
+              </a:lnRef>
+              <a:fillRef idx="1">
+                <a:schemeClr val="accent1"/>
+              </a:fillRef>
+              <a:effectRef idx="0">
+                <a:schemeClr val="accent1"/>
+              </a:effectRef>
+              <a:fontRef idx="minor">
+                <a:schemeClr val="lt1"/>
+              </a:fontRef>
+            </p:style>
+            <p:txBody>
+              <a:bodyPr rtlCol="0" anchor="ctr"/>
+              <a:lstStyle/>
+              <a:p>
+                <a:pPr algn="ctr"/>
+                <a:endParaRPr lang="en-DE"/>
+              </a:p>
+            </p:txBody>
+          </p:sp>
+          <p:sp>
+            <p:nvSpPr>
+              <p:cNvPr id="255" name="Cube 254">
+                <a:extLst>
+                  <a:ext uri="{FF2B5EF4-FFF2-40B4-BE49-F238E27FC236}">
+                    <a16:creationId xmlns:a16="http://schemas.microsoft.com/office/drawing/2014/main" id="{206F1A56-4079-91C1-EBF7-2C3E94570070}"/>
+                  </a:ext>
+                </a:extLst>
+              </p:cNvPr>
+              <p:cNvSpPr/>
+              <p:nvPr/>
+            </p:nvSpPr>
+            <p:spPr>
+              <a:xfrm>
+                <a:off x="533282" y="3243649"/>
+                <a:ext cx="370702" cy="370702"/>
+              </a:xfrm>
+              <a:prstGeom prst="cube">
+                <a:avLst/>
+              </a:prstGeom>
+              <a:grpFill/>
+            </p:spPr>
+            <p:style>
+              <a:lnRef idx="2">
+                <a:schemeClr val="accent1">
+                  <a:shade val="15000"/>
+                </a:schemeClr>
+              </a:lnRef>
+              <a:fillRef idx="1">
+                <a:schemeClr val="accent1"/>
+              </a:fillRef>
+              <a:effectRef idx="0">
+                <a:schemeClr val="accent1"/>
+              </a:effectRef>
+              <a:fontRef idx="minor">
+                <a:schemeClr val="lt1"/>
+              </a:fontRef>
+            </p:style>
+            <p:txBody>
+              <a:bodyPr rtlCol="0" anchor="ctr"/>
+              <a:lstStyle/>
+              <a:p>
+                <a:pPr algn="ctr"/>
+                <a:endParaRPr lang="en-DE"/>
+              </a:p>
+            </p:txBody>
+          </p:sp>
+          <p:sp>
+            <p:nvSpPr>
+              <p:cNvPr id="256" name="Cube 255">
+                <a:extLst>
+                  <a:ext uri="{FF2B5EF4-FFF2-40B4-BE49-F238E27FC236}">
+                    <a16:creationId xmlns:a16="http://schemas.microsoft.com/office/drawing/2014/main" id="{4F48A1DF-405D-017B-2F5C-79AD5964BBA8}"/>
+                  </a:ext>
+                </a:extLst>
+              </p:cNvPr>
+              <p:cNvSpPr/>
+              <p:nvPr/>
+            </p:nvSpPr>
+            <p:spPr>
+              <a:xfrm>
+                <a:off x="811616" y="3243649"/>
+                <a:ext cx="370702" cy="370702"/>
+              </a:xfrm>
+              <a:prstGeom prst="cube">
+                <a:avLst/>
+              </a:prstGeom>
+              <a:grpFill/>
+            </p:spPr>
+            <p:style>
+              <a:lnRef idx="2">
+                <a:schemeClr val="accent1">
+                  <a:shade val="15000"/>
+                </a:schemeClr>
+              </a:lnRef>
+              <a:fillRef idx="1">
+                <a:schemeClr val="accent1"/>
+              </a:fillRef>
+              <a:effectRef idx="0">
+                <a:schemeClr val="accent1"/>
+              </a:effectRef>
+              <a:fontRef idx="minor">
+                <a:schemeClr val="lt1"/>
+              </a:fontRef>
+            </p:style>
+            <p:txBody>
+              <a:bodyPr rtlCol="0" anchor="ctr"/>
+              <a:lstStyle/>
+              <a:p>
+                <a:pPr algn="ctr"/>
+                <a:endParaRPr lang="en-DE"/>
+              </a:p>
+            </p:txBody>
+          </p:sp>
+          <p:sp>
+            <p:nvSpPr>
+              <p:cNvPr id="257" name="Cube 256">
+                <a:extLst>
+                  <a:ext uri="{FF2B5EF4-FFF2-40B4-BE49-F238E27FC236}">
+                    <a16:creationId xmlns:a16="http://schemas.microsoft.com/office/drawing/2014/main" id="{EAC04822-8ADF-4386-5547-0F4676065CFE}"/>
+                  </a:ext>
+                </a:extLst>
+              </p:cNvPr>
+              <p:cNvSpPr/>
+              <p:nvPr/>
+            </p:nvSpPr>
+            <p:spPr>
+              <a:xfrm>
+                <a:off x="177794" y="3323968"/>
+                <a:ext cx="370702" cy="370702"/>
+              </a:xfrm>
+              <a:prstGeom prst="cube">
+                <a:avLst/>
+              </a:prstGeom>
+              <a:grpFill/>
+            </p:spPr>
+            <p:style>
+              <a:lnRef idx="2">
+                <a:schemeClr val="accent1">
+                  <a:shade val="15000"/>
+                </a:schemeClr>
+              </a:lnRef>
+              <a:fillRef idx="1">
+                <a:schemeClr val="accent1"/>
+              </a:fillRef>
+              <a:effectRef idx="0">
+                <a:schemeClr val="accent1"/>
+              </a:effectRef>
+              <a:fontRef idx="minor">
+                <a:schemeClr val="lt1"/>
+              </a:fontRef>
+            </p:style>
+            <p:txBody>
+              <a:bodyPr rtlCol="0" anchor="ctr"/>
+              <a:lstStyle/>
+              <a:p>
+                <a:pPr algn="ctr"/>
+                <a:endParaRPr lang="en-DE"/>
+              </a:p>
+            </p:txBody>
+          </p:sp>
+          <p:sp>
+            <p:nvSpPr>
+              <p:cNvPr id="258" name="Cube 257">
+                <a:extLst>
+                  <a:ext uri="{FF2B5EF4-FFF2-40B4-BE49-F238E27FC236}">
+                    <a16:creationId xmlns:a16="http://schemas.microsoft.com/office/drawing/2014/main" id="{7E29390A-B101-FCFE-ACD9-D4823F16AFBC}"/>
+                  </a:ext>
+                </a:extLst>
+              </p:cNvPr>
+              <p:cNvSpPr/>
+              <p:nvPr/>
+            </p:nvSpPr>
+            <p:spPr>
+              <a:xfrm>
+                <a:off x="458368" y="3323968"/>
+                <a:ext cx="370702" cy="370702"/>
+              </a:xfrm>
+              <a:prstGeom prst="cube">
+                <a:avLst/>
+              </a:prstGeom>
+              <a:grpFill/>
+            </p:spPr>
+            <p:style>
+              <a:lnRef idx="2">
+                <a:schemeClr val="accent1">
+                  <a:shade val="15000"/>
+                </a:schemeClr>
+              </a:lnRef>
+              <a:fillRef idx="1">
+                <a:schemeClr val="accent1"/>
+              </a:fillRef>
+              <a:effectRef idx="0">
+                <a:schemeClr val="accent1"/>
+              </a:effectRef>
+              <a:fontRef idx="minor">
+                <a:schemeClr val="lt1"/>
+              </a:fontRef>
+            </p:style>
+            <p:txBody>
+              <a:bodyPr rtlCol="0" anchor="ctr"/>
+              <a:lstStyle/>
+              <a:p>
+                <a:pPr algn="ctr"/>
+                <a:endParaRPr lang="en-DE"/>
+              </a:p>
+            </p:txBody>
+          </p:sp>
+          <p:sp>
+            <p:nvSpPr>
+              <p:cNvPr id="259" name="Cube 258">
+                <a:extLst>
+                  <a:ext uri="{FF2B5EF4-FFF2-40B4-BE49-F238E27FC236}">
+                    <a16:creationId xmlns:a16="http://schemas.microsoft.com/office/drawing/2014/main" id="{0D4B48D6-2DF7-AF2B-B569-FF9BB92CCB27}"/>
+                  </a:ext>
+                </a:extLst>
+              </p:cNvPr>
+              <p:cNvSpPr/>
+              <p:nvPr/>
+            </p:nvSpPr>
+            <p:spPr>
+              <a:xfrm>
+                <a:off x="737090" y="3323968"/>
+                <a:ext cx="370702" cy="370702"/>
+              </a:xfrm>
+              <a:prstGeom prst="cube">
+                <a:avLst/>
+              </a:prstGeom>
+              <a:grpFill/>
+            </p:spPr>
+            <p:style>
+              <a:lnRef idx="2">
+                <a:schemeClr val="accent1">
+                  <a:shade val="15000"/>
+                </a:schemeClr>
+              </a:lnRef>
+              <a:fillRef idx="1">
+                <a:schemeClr val="accent1"/>
+              </a:fillRef>
+              <a:effectRef idx="0">
+                <a:schemeClr val="accent1"/>
+              </a:effectRef>
+              <a:fontRef idx="minor">
+                <a:schemeClr val="lt1"/>
+              </a:fontRef>
+            </p:style>
+            <p:txBody>
+              <a:bodyPr rtlCol="0" anchor="ctr"/>
+              <a:lstStyle/>
+              <a:p>
+                <a:pPr algn="ctr"/>
+                <a:endParaRPr lang="en-DE"/>
+              </a:p>
+            </p:txBody>
+          </p:sp>
+          <p:sp>
+            <p:nvSpPr>
+              <p:cNvPr id="260" name="Cube 259">
+                <a:extLst>
+                  <a:ext uri="{FF2B5EF4-FFF2-40B4-BE49-F238E27FC236}">
+                    <a16:creationId xmlns:a16="http://schemas.microsoft.com/office/drawing/2014/main" id="{6DAB9112-490F-3EC1-E0F1-4D57F9236652}"/>
+                  </a:ext>
+                </a:extLst>
+              </p:cNvPr>
+              <p:cNvSpPr/>
+              <p:nvPr/>
+            </p:nvSpPr>
+            <p:spPr>
+              <a:xfrm>
+                <a:off x="1164533" y="3164475"/>
+                <a:ext cx="370702" cy="370702"/>
+              </a:xfrm>
+              <a:prstGeom prst="cube">
+                <a:avLst/>
+              </a:prstGeom>
+              <a:grpFill/>
+            </p:spPr>
+            <p:style>
+              <a:lnRef idx="2">
+                <a:schemeClr val="accent1">
+                  <a:shade val="15000"/>
+                </a:schemeClr>
+              </a:lnRef>
+              <a:fillRef idx="1">
+                <a:schemeClr val="accent1"/>
+              </a:fillRef>
+              <a:effectRef idx="0">
+                <a:schemeClr val="accent1"/>
+              </a:effectRef>
+              <a:fontRef idx="minor">
+                <a:schemeClr val="lt1"/>
+              </a:fontRef>
+            </p:style>
+            <p:txBody>
+              <a:bodyPr rtlCol="0" anchor="ctr"/>
+              <a:lstStyle/>
+              <a:p>
+                <a:pPr algn="ctr"/>
+                <a:endParaRPr lang="en-DE"/>
+              </a:p>
+            </p:txBody>
+          </p:sp>
+          <p:sp>
+            <p:nvSpPr>
+              <p:cNvPr id="261" name="Cube 260">
+                <a:extLst>
+                  <a:ext uri="{FF2B5EF4-FFF2-40B4-BE49-F238E27FC236}">
+                    <a16:creationId xmlns:a16="http://schemas.microsoft.com/office/drawing/2014/main" id="{EE689643-1205-4A30-CA26-2FFFE62F22FA}"/>
+                  </a:ext>
+                </a:extLst>
+              </p:cNvPr>
+              <p:cNvSpPr/>
+              <p:nvPr/>
+            </p:nvSpPr>
+            <p:spPr>
+              <a:xfrm>
+                <a:off x="1087767" y="3251669"/>
+                <a:ext cx="370702" cy="370702"/>
+              </a:xfrm>
+              <a:prstGeom prst="cube">
+                <a:avLst/>
+              </a:prstGeom>
+              <a:grpFill/>
+            </p:spPr>
+            <p:style>
+              <a:lnRef idx="2">
+                <a:schemeClr val="accent1">
+                  <a:shade val="15000"/>
+                </a:schemeClr>
+              </a:lnRef>
+              <a:fillRef idx="1">
+                <a:schemeClr val="accent1"/>
+              </a:fillRef>
+              <a:effectRef idx="0">
+                <a:schemeClr val="accent1"/>
+              </a:effectRef>
+              <a:fontRef idx="minor">
+                <a:schemeClr val="lt1"/>
+              </a:fontRef>
+            </p:style>
+            <p:txBody>
+              <a:bodyPr rtlCol="0" anchor="ctr"/>
+              <a:lstStyle/>
+              <a:p>
+                <a:pPr algn="ctr"/>
+                <a:endParaRPr lang="en-DE"/>
+              </a:p>
+            </p:txBody>
+          </p:sp>
+          <p:sp>
+            <p:nvSpPr>
+              <p:cNvPr id="262" name="Cube 261">
+                <a:extLst>
+                  <a:ext uri="{FF2B5EF4-FFF2-40B4-BE49-F238E27FC236}">
+                    <a16:creationId xmlns:a16="http://schemas.microsoft.com/office/drawing/2014/main" id="{3CF6AC98-E7BB-9B3D-3940-A38209173E76}"/>
+                  </a:ext>
+                </a:extLst>
+              </p:cNvPr>
+              <p:cNvSpPr/>
+              <p:nvPr/>
+            </p:nvSpPr>
+            <p:spPr>
+              <a:xfrm>
+                <a:off x="1013241" y="3325113"/>
+                <a:ext cx="370702" cy="370702"/>
+              </a:xfrm>
+              <a:prstGeom prst="cube">
+                <a:avLst/>
+              </a:prstGeom>
+              <a:grpFill/>
+            </p:spPr>
+            <p:style>
+              <a:lnRef idx="2">
+                <a:schemeClr val="accent1">
+                  <a:shade val="15000"/>
+                </a:schemeClr>
+              </a:lnRef>
+              <a:fillRef idx="1">
+                <a:schemeClr val="accent1"/>
+              </a:fillRef>
+              <a:effectRef idx="0">
+                <a:schemeClr val="accent1"/>
+              </a:effectRef>
+              <a:fontRef idx="minor">
+                <a:schemeClr val="lt1"/>
+              </a:fontRef>
+            </p:style>
+            <p:txBody>
+              <a:bodyPr rtlCol="0" anchor="ctr"/>
+              <a:lstStyle/>
+              <a:p>
+                <a:pPr algn="ctr"/>
+                <a:endParaRPr lang="en-DE"/>
+              </a:p>
+            </p:txBody>
+          </p:sp>
+        </p:grpSp>
+        <p:grpSp>
+          <p:nvGrpSpPr>
+            <p:cNvPr id="263" name="Group 262">
+              <a:extLst>
+                <a:ext uri="{FF2B5EF4-FFF2-40B4-BE49-F238E27FC236}">
+                  <a16:creationId xmlns:a16="http://schemas.microsoft.com/office/drawing/2014/main" id="{40494867-B54E-8BCD-8B2E-9697B21E419D}"/>
+                </a:ext>
+              </a:extLst>
+            </p:cNvPr>
+            <p:cNvGrpSpPr/>
+            <p:nvPr/>
+          </p:nvGrpSpPr>
+          <p:grpSpPr>
+            <a:xfrm>
+              <a:off x="7825078" y="4737152"/>
+              <a:ext cx="1357441" cy="532485"/>
+              <a:chOff x="177794" y="3163330"/>
+              <a:chExt cx="1357441" cy="532485"/>
+            </a:xfrm>
+            <a:solidFill>
+              <a:srgbClr val="FFFF00"/>
+            </a:solidFill>
+          </p:grpSpPr>
+          <p:sp>
+            <p:nvSpPr>
+              <p:cNvPr id="264" name="Cube 263">
+                <a:extLst>
+                  <a:ext uri="{FF2B5EF4-FFF2-40B4-BE49-F238E27FC236}">
+                    <a16:creationId xmlns:a16="http://schemas.microsoft.com/office/drawing/2014/main" id="{F35EC3C7-219C-6374-6AC6-8498F7A22DF2}"/>
+                  </a:ext>
+                </a:extLst>
+              </p:cNvPr>
+              <p:cNvSpPr/>
+              <p:nvPr/>
+            </p:nvSpPr>
+            <p:spPr>
+              <a:xfrm>
+                <a:off x="344688" y="3163330"/>
+                <a:ext cx="370702" cy="370702"/>
+              </a:xfrm>
+              <a:prstGeom prst="cube">
+                <a:avLst/>
+              </a:prstGeom>
+              <a:grpFill/>
+            </p:spPr>
+            <p:style>
+              <a:lnRef idx="2">
+                <a:schemeClr val="accent4">
+                  <a:shade val="15000"/>
+                </a:schemeClr>
+              </a:lnRef>
+              <a:fillRef idx="1">
+                <a:schemeClr val="accent4"/>
+              </a:fillRef>
+              <a:effectRef idx="0">
+                <a:schemeClr val="accent4"/>
+              </a:effectRef>
+              <a:fontRef idx="minor">
+                <a:schemeClr val="lt1"/>
+              </a:fontRef>
+            </p:style>
+            <p:txBody>
+              <a:bodyPr rtlCol="0" anchor="ctr"/>
+              <a:lstStyle/>
+              <a:p>
+                <a:pPr algn="ctr"/>
+                <a:endParaRPr lang="en-DE"/>
+              </a:p>
+            </p:txBody>
+          </p:sp>
+          <p:sp>
+            <p:nvSpPr>
+              <p:cNvPr id="265" name="Cube 264">
+                <a:extLst>
+                  <a:ext uri="{FF2B5EF4-FFF2-40B4-BE49-F238E27FC236}">
+                    <a16:creationId xmlns:a16="http://schemas.microsoft.com/office/drawing/2014/main" id="{F9658BEC-CA8C-280B-B94B-93BF5A606BBF}"/>
+                  </a:ext>
+                </a:extLst>
+              </p:cNvPr>
+              <p:cNvSpPr/>
+              <p:nvPr/>
+            </p:nvSpPr>
+            <p:spPr>
+              <a:xfrm>
+                <a:off x="616535" y="3163330"/>
+                <a:ext cx="370702" cy="370702"/>
+              </a:xfrm>
+              <a:prstGeom prst="cube">
+                <a:avLst/>
+              </a:prstGeom>
+              <a:grpFill/>
+            </p:spPr>
+            <p:style>
+              <a:lnRef idx="2">
+                <a:schemeClr val="accent4">
+                  <a:shade val="15000"/>
+                </a:schemeClr>
+              </a:lnRef>
+              <a:fillRef idx="1">
+                <a:schemeClr val="accent4"/>
+              </a:fillRef>
+              <a:effectRef idx="0">
+                <a:schemeClr val="accent4"/>
+              </a:effectRef>
+              <a:fontRef idx="minor">
+                <a:schemeClr val="lt1"/>
+              </a:fontRef>
+            </p:style>
+            <p:txBody>
+              <a:bodyPr rtlCol="0" anchor="ctr"/>
+              <a:lstStyle/>
+              <a:p>
+                <a:pPr algn="ctr"/>
+                <a:endParaRPr lang="en-DE"/>
+              </a:p>
+            </p:txBody>
+          </p:sp>
+          <p:sp>
+            <p:nvSpPr>
+              <p:cNvPr id="266" name="Cube 265">
+                <a:extLst>
+                  <a:ext uri="{FF2B5EF4-FFF2-40B4-BE49-F238E27FC236}">
+                    <a16:creationId xmlns:a16="http://schemas.microsoft.com/office/drawing/2014/main" id="{36AF560D-C19C-AA13-C56A-763ED1DB257D}"/>
+                  </a:ext>
+                </a:extLst>
+              </p:cNvPr>
+              <p:cNvSpPr/>
+              <p:nvPr/>
+            </p:nvSpPr>
+            <p:spPr>
+              <a:xfrm>
+                <a:off x="888382" y="3163330"/>
+                <a:ext cx="370702" cy="370702"/>
+              </a:xfrm>
+              <a:prstGeom prst="cube">
+                <a:avLst/>
+              </a:prstGeom>
+              <a:grpFill/>
+            </p:spPr>
+            <p:style>
+              <a:lnRef idx="2">
+                <a:schemeClr val="accent4">
+                  <a:shade val="15000"/>
+                </a:schemeClr>
+              </a:lnRef>
+              <a:fillRef idx="1">
+                <a:schemeClr val="accent4"/>
+              </a:fillRef>
+              <a:effectRef idx="0">
+                <a:schemeClr val="accent4"/>
+              </a:effectRef>
+              <a:fontRef idx="minor">
+                <a:schemeClr val="lt1"/>
+              </a:fontRef>
+            </p:style>
+            <p:txBody>
+              <a:bodyPr rtlCol="0" anchor="ctr"/>
+              <a:lstStyle/>
+              <a:p>
+                <a:pPr algn="ctr"/>
+                <a:endParaRPr lang="en-DE"/>
+              </a:p>
+            </p:txBody>
+          </p:sp>
+          <p:sp>
+            <p:nvSpPr>
+              <p:cNvPr id="267" name="Cube 266">
+                <a:extLst>
+                  <a:ext uri="{FF2B5EF4-FFF2-40B4-BE49-F238E27FC236}">
+                    <a16:creationId xmlns:a16="http://schemas.microsoft.com/office/drawing/2014/main" id="{87D3DC06-CE4B-E125-8350-A8D7DD070354}"/>
+                  </a:ext>
+                </a:extLst>
+              </p:cNvPr>
+              <p:cNvSpPr/>
+              <p:nvPr/>
+            </p:nvSpPr>
+            <p:spPr>
+              <a:xfrm>
+                <a:off x="261435" y="3243649"/>
+                <a:ext cx="370702" cy="370702"/>
+              </a:xfrm>
+              <a:prstGeom prst="cube">
+                <a:avLst/>
+              </a:prstGeom>
+              <a:grpFill/>
+            </p:spPr>
+            <p:style>
+              <a:lnRef idx="2">
+                <a:schemeClr val="accent4">
+                  <a:shade val="15000"/>
+                </a:schemeClr>
+              </a:lnRef>
+              <a:fillRef idx="1">
+                <a:schemeClr val="accent4"/>
+              </a:fillRef>
+              <a:effectRef idx="0">
+                <a:schemeClr val="accent4"/>
+              </a:effectRef>
+              <a:fontRef idx="minor">
+                <a:schemeClr val="lt1"/>
+              </a:fontRef>
+            </p:style>
+            <p:txBody>
+              <a:bodyPr rtlCol="0" anchor="ctr"/>
+              <a:lstStyle/>
+              <a:p>
+                <a:pPr algn="ctr"/>
+                <a:endParaRPr lang="en-DE"/>
+              </a:p>
+            </p:txBody>
+          </p:sp>
+          <p:sp>
+            <p:nvSpPr>
+              <p:cNvPr id="268" name="Cube 267">
+                <a:extLst>
+                  <a:ext uri="{FF2B5EF4-FFF2-40B4-BE49-F238E27FC236}">
+                    <a16:creationId xmlns:a16="http://schemas.microsoft.com/office/drawing/2014/main" id="{96FBDD2C-63B2-FA22-2C7E-AEB189817E5B}"/>
+                  </a:ext>
+                </a:extLst>
+              </p:cNvPr>
+              <p:cNvSpPr/>
+              <p:nvPr/>
+            </p:nvSpPr>
+            <p:spPr>
+              <a:xfrm>
+                <a:off x="533282" y="3243649"/>
+                <a:ext cx="370702" cy="370702"/>
+              </a:xfrm>
+              <a:prstGeom prst="cube">
+                <a:avLst/>
+              </a:prstGeom>
+              <a:grpFill/>
+            </p:spPr>
+            <p:style>
+              <a:lnRef idx="2">
+                <a:schemeClr val="accent4">
+                  <a:shade val="15000"/>
+                </a:schemeClr>
+              </a:lnRef>
+              <a:fillRef idx="1">
+                <a:schemeClr val="accent4"/>
+              </a:fillRef>
+              <a:effectRef idx="0">
+                <a:schemeClr val="accent4"/>
+              </a:effectRef>
+              <a:fontRef idx="minor">
+                <a:schemeClr val="lt1"/>
+              </a:fontRef>
+            </p:style>
+            <p:txBody>
+              <a:bodyPr rtlCol="0" anchor="ctr"/>
+              <a:lstStyle/>
+              <a:p>
+                <a:pPr algn="ctr"/>
+                <a:endParaRPr lang="en-DE"/>
+              </a:p>
+            </p:txBody>
+          </p:sp>
+          <p:sp>
+            <p:nvSpPr>
+              <p:cNvPr id="269" name="Cube 268">
+                <a:extLst>
+                  <a:ext uri="{FF2B5EF4-FFF2-40B4-BE49-F238E27FC236}">
+                    <a16:creationId xmlns:a16="http://schemas.microsoft.com/office/drawing/2014/main" id="{5CD4DB09-654D-FBC4-07AA-3B5F4C691CB7}"/>
+                  </a:ext>
+                </a:extLst>
+              </p:cNvPr>
+              <p:cNvSpPr/>
+              <p:nvPr/>
+            </p:nvSpPr>
+            <p:spPr>
+              <a:xfrm>
+                <a:off x="811616" y="3243649"/>
+                <a:ext cx="370702" cy="370702"/>
+              </a:xfrm>
+              <a:prstGeom prst="cube">
+                <a:avLst/>
+              </a:prstGeom>
+              <a:grpFill/>
+            </p:spPr>
+            <p:style>
+              <a:lnRef idx="2">
+                <a:schemeClr val="accent4">
+                  <a:shade val="15000"/>
+                </a:schemeClr>
+              </a:lnRef>
+              <a:fillRef idx="1">
+                <a:schemeClr val="accent4"/>
+              </a:fillRef>
+              <a:effectRef idx="0">
+                <a:schemeClr val="accent4"/>
+              </a:effectRef>
+              <a:fontRef idx="minor">
+                <a:schemeClr val="lt1"/>
+              </a:fontRef>
+            </p:style>
+            <p:txBody>
+              <a:bodyPr rtlCol="0" anchor="ctr"/>
+              <a:lstStyle/>
+              <a:p>
+                <a:pPr algn="ctr"/>
+                <a:endParaRPr lang="en-DE"/>
+              </a:p>
+            </p:txBody>
+          </p:sp>
+          <p:sp>
+            <p:nvSpPr>
+              <p:cNvPr id="270" name="Cube 269">
+                <a:extLst>
+                  <a:ext uri="{FF2B5EF4-FFF2-40B4-BE49-F238E27FC236}">
+                    <a16:creationId xmlns:a16="http://schemas.microsoft.com/office/drawing/2014/main" id="{A7025712-DD97-D100-540C-AD36857D43AD}"/>
+                  </a:ext>
+                </a:extLst>
+              </p:cNvPr>
+              <p:cNvSpPr/>
+              <p:nvPr/>
+            </p:nvSpPr>
+            <p:spPr>
+              <a:xfrm>
+                <a:off x="177794" y="3323968"/>
+                <a:ext cx="370702" cy="370702"/>
+              </a:xfrm>
+              <a:prstGeom prst="cube">
+                <a:avLst/>
+              </a:prstGeom>
+              <a:grpFill/>
+            </p:spPr>
+            <p:style>
+              <a:lnRef idx="2">
+                <a:schemeClr val="accent4">
+                  <a:shade val="15000"/>
+                </a:schemeClr>
+              </a:lnRef>
+              <a:fillRef idx="1">
+                <a:schemeClr val="accent4"/>
+              </a:fillRef>
+              <a:effectRef idx="0">
+                <a:schemeClr val="accent4"/>
+              </a:effectRef>
+              <a:fontRef idx="minor">
+                <a:schemeClr val="lt1"/>
+              </a:fontRef>
+            </p:style>
+            <p:txBody>
+              <a:bodyPr rtlCol="0" anchor="ctr"/>
+              <a:lstStyle/>
+              <a:p>
+                <a:pPr algn="ctr"/>
+                <a:endParaRPr lang="en-DE"/>
+              </a:p>
+            </p:txBody>
+          </p:sp>
+          <p:sp>
+            <p:nvSpPr>
+              <p:cNvPr id="271" name="Cube 270">
+                <a:extLst>
+                  <a:ext uri="{FF2B5EF4-FFF2-40B4-BE49-F238E27FC236}">
+                    <a16:creationId xmlns:a16="http://schemas.microsoft.com/office/drawing/2014/main" id="{68B2B86E-10D7-79B3-98C0-EA19940903C5}"/>
+                  </a:ext>
+                </a:extLst>
+              </p:cNvPr>
+              <p:cNvSpPr/>
+              <p:nvPr/>
+            </p:nvSpPr>
+            <p:spPr>
+              <a:xfrm>
+                <a:off x="458368" y="3323968"/>
+                <a:ext cx="370702" cy="370702"/>
+              </a:xfrm>
+              <a:prstGeom prst="cube">
+                <a:avLst/>
+              </a:prstGeom>
+              <a:grpFill/>
+            </p:spPr>
+            <p:style>
+              <a:lnRef idx="2">
+                <a:schemeClr val="accent4">
+                  <a:shade val="15000"/>
+                </a:schemeClr>
+              </a:lnRef>
+              <a:fillRef idx="1">
+                <a:schemeClr val="accent4"/>
+              </a:fillRef>
+              <a:effectRef idx="0">
+                <a:schemeClr val="accent4"/>
+              </a:effectRef>
+              <a:fontRef idx="minor">
+                <a:schemeClr val="lt1"/>
+              </a:fontRef>
+            </p:style>
+            <p:txBody>
+              <a:bodyPr rtlCol="0" anchor="ctr"/>
+              <a:lstStyle/>
+              <a:p>
+                <a:pPr algn="ctr"/>
+                <a:endParaRPr lang="en-DE"/>
+              </a:p>
+            </p:txBody>
+          </p:sp>
+          <p:sp>
+            <p:nvSpPr>
+              <p:cNvPr id="272" name="Cube 271">
+                <a:extLst>
+                  <a:ext uri="{FF2B5EF4-FFF2-40B4-BE49-F238E27FC236}">
+                    <a16:creationId xmlns:a16="http://schemas.microsoft.com/office/drawing/2014/main" id="{09AA5B9C-612A-8F14-2747-D5DEA245B9E6}"/>
+                  </a:ext>
+                </a:extLst>
+              </p:cNvPr>
+              <p:cNvSpPr/>
+              <p:nvPr/>
+            </p:nvSpPr>
+            <p:spPr>
+              <a:xfrm>
+                <a:off x="737090" y="3323968"/>
+                <a:ext cx="370702" cy="370702"/>
+              </a:xfrm>
+              <a:prstGeom prst="cube">
+                <a:avLst/>
+              </a:prstGeom>
+              <a:grpFill/>
+            </p:spPr>
+            <p:style>
+              <a:lnRef idx="2">
+                <a:schemeClr val="accent4">
+                  <a:shade val="15000"/>
+                </a:schemeClr>
+              </a:lnRef>
+              <a:fillRef idx="1">
+                <a:schemeClr val="accent4"/>
+              </a:fillRef>
+              <a:effectRef idx="0">
+                <a:schemeClr val="accent4"/>
+              </a:effectRef>
+              <a:fontRef idx="minor">
+                <a:schemeClr val="lt1"/>
+              </a:fontRef>
+            </p:style>
+            <p:txBody>
+              <a:bodyPr rtlCol="0" anchor="ctr"/>
+              <a:lstStyle/>
+              <a:p>
+                <a:pPr algn="ctr"/>
+                <a:endParaRPr lang="en-DE"/>
+              </a:p>
+            </p:txBody>
+          </p:sp>
+          <p:sp>
+            <p:nvSpPr>
+              <p:cNvPr id="273" name="Cube 272">
+                <a:extLst>
+                  <a:ext uri="{FF2B5EF4-FFF2-40B4-BE49-F238E27FC236}">
+                    <a16:creationId xmlns:a16="http://schemas.microsoft.com/office/drawing/2014/main" id="{DD378668-E275-8F7C-14B4-D43EC1DC0F3B}"/>
+                  </a:ext>
+                </a:extLst>
+              </p:cNvPr>
+              <p:cNvSpPr/>
+              <p:nvPr/>
+            </p:nvSpPr>
+            <p:spPr>
+              <a:xfrm>
+                <a:off x="1164533" y="3164475"/>
+                <a:ext cx="370702" cy="370702"/>
+              </a:xfrm>
+              <a:prstGeom prst="cube">
+                <a:avLst/>
+              </a:prstGeom>
+              <a:grpFill/>
+            </p:spPr>
+            <p:style>
+              <a:lnRef idx="2">
+                <a:schemeClr val="accent4">
+                  <a:shade val="15000"/>
+                </a:schemeClr>
+              </a:lnRef>
+              <a:fillRef idx="1">
+                <a:schemeClr val="accent4"/>
+              </a:fillRef>
+              <a:effectRef idx="0">
+                <a:schemeClr val="accent4"/>
+              </a:effectRef>
+              <a:fontRef idx="minor">
+                <a:schemeClr val="lt1"/>
+              </a:fontRef>
+            </p:style>
+            <p:txBody>
+              <a:bodyPr rtlCol="0" anchor="ctr"/>
+              <a:lstStyle/>
+              <a:p>
+                <a:pPr algn="ctr"/>
+                <a:endParaRPr lang="en-DE"/>
+              </a:p>
+            </p:txBody>
+          </p:sp>
+          <p:sp>
+            <p:nvSpPr>
+              <p:cNvPr id="274" name="Cube 273">
+                <a:extLst>
+                  <a:ext uri="{FF2B5EF4-FFF2-40B4-BE49-F238E27FC236}">
+                    <a16:creationId xmlns:a16="http://schemas.microsoft.com/office/drawing/2014/main" id="{85495FC5-5C48-2765-39EF-E346929241DB}"/>
+                  </a:ext>
+                </a:extLst>
+              </p:cNvPr>
+              <p:cNvSpPr/>
+              <p:nvPr/>
+            </p:nvSpPr>
+            <p:spPr>
+              <a:xfrm>
+                <a:off x="1087767" y="3251669"/>
+                <a:ext cx="370702" cy="370702"/>
+              </a:xfrm>
+              <a:prstGeom prst="cube">
+                <a:avLst/>
+              </a:prstGeom>
+              <a:grpFill/>
+            </p:spPr>
+            <p:style>
+              <a:lnRef idx="2">
+                <a:schemeClr val="accent4">
+                  <a:shade val="15000"/>
+                </a:schemeClr>
+              </a:lnRef>
+              <a:fillRef idx="1">
+                <a:schemeClr val="accent4"/>
+              </a:fillRef>
+              <a:effectRef idx="0">
+                <a:schemeClr val="accent4"/>
+              </a:effectRef>
+              <a:fontRef idx="minor">
+                <a:schemeClr val="lt1"/>
+              </a:fontRef>
+            </p:style>
+            <p:txBody>
+              <a:bodyPr rtlCol="0" anchor="ctr"/>
+              <a:lstStyle/>
+              <a:p>
+                <a:pPr algn="ctr"/>
+                <a:endParaRPr lang="en-DE"/>
+              </a:p>
+            </p:txBody>
+          </p:sp>
+          <p:sp>
+            <p:nvSpPr>
+              <p:cNvPr id="275" name="Cube 274">
+                <a:extLst>
+                  <a:ext uri="{FF2B5EF4-FFF2-40B4-BE49-F238E27FC236}">
+                    <a16:creationId xmlns:a16="http://schemas.microsoft.com/office/drawing/2014/main" id="{8D26E3F9-D1F1-CECF-A223-46A42B773515}"/>
+                  </a:ext>
+                </a:extLst>
+              </p:cNvPr>
+              <p:cNvSpPr/>
+              <p:nvPr/>
+            </p:nvSpPr>
+            <p:spPr>
+              <a:xfrm>
+                <a:off x="1013241" y="3325113"/>
+                <a:ext cx="370702" cy="370702"/>
+              </a:xfrm>
+              <a:prstGeom prst="cube">
+                <a:avLst/>
+              </a:prstGeom>
+              <a:grpFill/>
+            </p:spPr>
+            <p:style>
+              <a:lnRef idx="2">
+                <a:schemeClr val="accent4">
+                  <a:shade val="15000"/>
+                </a:schemeClr>
+              </a:lnRef>
+              <a:fillRef idx="1">
+                <a:schemeClr val="accent4"/>
+              </a:fillRef>
+              <a:effectRef idx="0">
+                <a:schemeClr val="accent4"/>
+              </a:effectRef>
+              <a:fontRef idx="minor">
+                <a:schemeClr val="lt1"/>
+              </a:fontRef>
+            </p:style>
+            <p:txBody>
+              <a:bodyPr rtlCol="0" anchor="ctr"/>
+              <a:lstStyle/>
+              <a:p>
+                <a:pPr algn="ctr"/>
+                <a:endParaRPr lang="en-DE"/>
+              </a:p>
+            </p:txBody>
+          </p:sp>
+        </p:grpSp>
+        <p:grpSp>
+          <p:nvGrpSpPr>
+            <p:cNvPr id="284" name="Group 283">
+              <a:extLst>
+                <a:ext uri="{FF2B5EF4-FFF2-40B4-BE49-F238E27FC236}">
+                  <a16:creationId xmlns:a16="http://schemas.microsoft.com/office/drawing/2014/main" id="{ADDC9FB5-513D-CC3B-5725-072483F00B86}"/>
+                </a:ext>
+              </a:extLst>
+            </p:cNvPr>
+            <p:cNvGrpSpPr/>
+            <p:nvPr/>
+          </p:nvGrpSpPr>
+          <p:grpSpPr>
+            <a:xfrm>
+              <a:off x="7484753" y="4545598"/>
+              <a:ext cx="1409499" cy="1906085"/>
+              <a:chOff x="840196" y="3664896"/>
+              <a:chExt cx="1409499" cy="1906085"/>
+            </a:xfrm>
+          </p:grpSpPr>
+          <p:cxnSp>
+            <p:nvCxnSpPr>
+              <p:cNvPr id="278" name="Straight Arrow Connector 277">
+                <a:extLst>
+                  <a:ext uri="{FF2B5EF4-FFF2-40B4-BE49-F238E27FC236}">
+                    <a16:creationId xmlns:a16="http://schemas.microsoft.com/office/drawing/2014/main" id="{42356330-65C4-9822-E5D9-55DFDEEB8A59}"/>
+                  </a:ext>
+                </a:extLst>
+              </p:cNvPr>
+              <p:cNvCxnSpPr>
+                <a:cxnSpLocks/>
+              </p:cNvCxnSpPr>
+              <p:nvPr/>
+            </p:nvCxnSpPr>
+            <p:spPr>
+              <a:xfrm>
+                <a:off x="1154371" y="5220084"/>
+                <a:ext cx="1095324" cy="0"/>
+              </a:xfrm>
+              <a:prstGeom prst="straightConnector1">
+                <a:avLst/>
+              </a:prstGeom>
+              <a:ln>
+                <a:solidFill>
+                  <a:schemeClr val="tx1"/>
+                </a:solidFill>
+                <a:headEnd type="triangle" w="med" len="med"/>
+                <a:tailEnd type="triangle" w="med" len="med"/>
+              </a:ln>
+            </p:spPr>
+            <p:style>
+              <a:lnRef idx="1">
+                <a:schemeClr val="accent1"/>
+              </a:lnRef>
+              <a:fillRef idx="0">
+                <a:schemeClr val="accent1"/>
+              </a:fillRef>
+              <a:effectRef idx="0">
+                <a:schemeClr val="accent1"/>
+              </a:effectRef>
+              <a:fontRef idx="minor">
+                <a:schemeClr val="tx1"/>
+              </a:fontRef>
+            </p:style>
+          </p:cxnSp>
+          <p:sp>
+            <p:nvSpPr>
+              <p:cNvPr id="279" name="TextBox 278">
+                <a:extLst>
+                  <a:ext uri="{FF2B5EF4-FFF2-40B4-BE49-F238E27FC236}">
+                    <a16:creationId xmlns:a16="http://schemas.microsoft.com/office/drawing/2014/main" id="{D53B3E84-8367-2FD5-3F76-8B75145007B4}"/>
+                  </a:ext>
+                </a:extLst>
+              </p:cNvPr>
+              <p:cNvSpPr txBox="1"/>
+              <p:nvPr/>
+            </p:nvSpPr>
+            <p:spPr>
+              <a:xfrm>
+                <a:off x="1640031" y="5201649"/>
+                <a:ext cx="304892" cy="369332"/>
+              </a:xfrm>
+              <a:prstGeom prst="rect">
+                <a:avLst/>
+              </a:prstGeom>
+              <a:noFill/>
+            </p:spPr>
+            <p:txBody>
+              <a:bodyPr wrap="square" rtlCol="0">
+                <a:spAutoFit/>
+              </a:bodyPr>
+              <a:lstStyle/>
+              <a:p>
+                <a:r>
+                  <a:rPr lang="en-DE" dirty="0"/>
+                  <a:t>X</a:t>
+                </a:r>
+              </a:p>
+            </p:txBody>
+          </p:sp>
+          <p:cxnSp>
+            <p:nvCxnSpPr>
+              <p:cNvPr id="280" name="Straight Arrow Connector 279">
+                <a:extLst>
+                  <a:ext uri="{FF2B5EF4-FFF2-40B4-BE49-F238E27FC236}">
+                    <a16:creationId xmlns:a16="http://schemas.microsoft.com/office/drawing/2014/main" id="{79A3F3D8-0358-8D89-C291-5204A9F992FB}"/>
+                  </a:ext>
+                </a:extLst>
+              </p:cNvPr>
+              <p:cNvCxnSpPr>
+                <a:cxnSpLocks/>
+              </p:cNvCxnSpPr>
+              <p:nvPr/>
+            </p:nvCxnSpPr>
+            <p:spPr>
+              <a:xfrm flipV="1">
+                <a:off x="1104805" y="3754633"/>
+                <a:ext cx="316681" cy="342562"/>
+              </a:xfrm>
+              <a:prstGeom prst="straightConnector1">
+                <a:avLst/>
+              </a:prstGeom>
+              <a:ln>
+                <a:solidFill>
+                  <a:schemeClr val="tx1"/>
+                </a:solidFill>
+                <a:headEnd type="triangle" w="med" len="med"/>
+                <a:tailEnd type="triangle" w="med" len="med"/>
+              </a:ln>
+            </p:spPr>
+            <p:style>
+              <a:lnRef idx="1">
+                <a:schemeClr val="accent1"/>
+              </a:lnRef>
+              <a:fillRef idx="0">
+                <a:schemeClr val="accent1"/>
+              </a:fillRef>
+              <a:effectRef idx="0">
+                <a:schemeClr val="accent1"/>
+              </a:effectRef>
+              <a:fontRef idx="minor">
+                <a:schemeClr val="tx1"/>
+              </a:fontRef>
+            </p:style>
+          </p:cxnSp>
+          <p:sp>
+            <p:nvSpPr>
+              <p:cNvPr id="281" name="TextBox 280">
+                <a:extLst>
+                  <a:ext uri="{FF2B5EF4-FFF2-40B4-BE49-F238E27FC236}">
+                    <a16:creationId xmlns:a16="http://schemas.microsoft.com/office/drawing/2014/main" id="{5DDD66A0-5A25-365F-C64C-7C7C1E3900E7}"/>
+                  </a:ext>
+                </a:extLst>
+              </p:cNvPr>
+              <p:cNvSpPr txBox="1"/>
+              <p:nvPr/>
+            </p:nvSpPr>
+            <p:spPr>
+              <a:xfrm>
+                <a:off x="990581" y="3664896"/>
+                <a:ext cx="304892" cy="369332"/>
+              </a:xfrm>
+              <a:prstGeom prst="rect">
+                <a:avLst/>
+              </a:prstGeom>
+              <a:noFill/>
+            </p:spPr>
+            <p:txBody>
+              <a:bodyPr wrap="square" rtlCol="0">
+                <a:spAutoFit/>
+              </a:bodyPr>
+              <a:lstStyle/>
+              <a:p>
+                <a:r>
+                  <a:rPr lang="en-DE" dirty="0"/>
+                  <a:t>Y</a:t>
+                </a:r>
+              </a:p>
+            </p:txBody>
+          </p:sp>
+          <p:cxnSp>
+            <p:nvCxnSpPr>
+              <p:cNvPr id="282" name="Straight Arrow Connector 281">
+                <a:extLst>
+                  <a:ext uri="{FF2B5EF4-FFF2-40B4-BE49-F238E27FC236}">
+                    <a16:creationId xmlns:a16="http://schemas.microsoft.com/office/drawing/2014/main" id="{B403E6BE-7D3A-CF0D-D4F8-2D450324DF43}"/>
+                  </a:ext>
+                </a:extLst>
+              </p:cNvPr>
+              <p:cNvCxnSpPr>
+                <a:cxnSpLocks/>
+              </p:cNvCxnSpPr>
+              <p:nvPr/>
+            </p:nvCxnSpPr>
+            <p:spPr>
+              <a:xfrm flipV="1">
+                <a:off x="1102474" y="4166181"/>
+                <a:ext cx="0" cy="940840"/>
+              </a:xfrm>
+              <a:prstGeom prst="straightConnector1">
+                <a:avLst/>
+              </a:prstGeom>
+              <a:ln>
+                <a:solidFill>
+                  <a:schemeClr val="tx1"/>
+                </a:solidFill>
+                <a:headEnd type="triangle" w="med" len="med"/>
+                <a:tailEnd type="triangle" w="med" len="med"/>
+              </a:ln>
+            </p:spPr>
+            <p:style>
+              <a:lnRef idx="1">
+                <a:schemeClr val="accent1"/>
+              </a:lnRef>
+              <a:fillRef idx="0">
+                <a:schemeClr val="accent1"/>
+              </a:fillRef>
+              <a:effectRef idx="0">
+                <a:schemeClr val="accent1"/>
+              </a:effectRef>
+              <a:fontRef idx="minor">
+                <a:schemeClr val="tx1"/>
+              </a:fontRef>
+            </p:style>
+          </p:cxnSp>
+          <p:sp>
+            <p:nvSpPr>
+              <p:cNvPr id="283" name="TextBox 282">
+                <a:extLst>
+                  <a:ext uri="{FF2B5EF4-FFF2-40B4-BE49-F238E27FC236}">
+                    <a16:creationId xmlns:a16="http://schemas.microsoft.com/office/drawing/2014/main" id="{D03D1CB9-1CBB-A920-19E1-DF01B43F0B29}"/>
+                  </a:ext>
+                </a:extLst>
+              </p:cNvPr>
+              <p:cNvSpPr txBox="1"/>
+              <p:nvPr/>
+            </p:nvSpPr>
+            <p:spPr>
+              <a:xfrm>
+                <a:off x="840196" y="4451935"/>
+                <a:ext cx="308098" cy="369332"/>
+              </a:xfrm>
+              <a:prstGeom prst="rect">
+                <a:avLst/>
+              </a:prstGeom>
+              <a:noFill/>
+            </p:spPr>
+            <p:txBody>
+              <a:bodyPr wrap="square" rtlCol="0">
+                <a:spAutoFit/>
+              </a:bodyPr>
+              <a:lstStyle/>
+              <a:p>
+                <a:r>
+                  <a:rPr lang="en-DE" dirty="0"/>
+                  <a:t>C</a:t>
+                </a:r>
+              </a:p>
+            </p:txBody>
+          </p:sp>
+        </p:grpSp>
+      </p:grpSp>
     </p:spTree>
     <p:extLst>
       <p:ext uri="{BB962C8B-B14F-4D97-AF65-F5344CB8AC3E}">
